--- a/slides/Slides_class11.pptx
+++ b/slides/Slides_class11.pptx
@@ -8,12 +8,17 @@
     <p:sldId id="256" r:id="rId2"/>
     <p:sldId id="257" r:id="rId3"/>
     <p:sldId id="267" r:id="rId4"/>
-    <p:sldId id="260" r:id="rId5"/>
-    <p:sldId id="261" r:id="rId6"/>
-    <p:sldId id="262" r:id="rId7"/>
-    <p:sldId id="263" r:id="rId8"/>
-    <p:sldId id="265" r:id="rId9"/>
-    <p:sldId id="266" r:id="rId10"/>
+    <p:sldId id="269" r:id="rId5"/>
+    <p:sldId id="270" r:id="rId6"/>
+    <p:sldId id="271" r:id="rId7"/>
+    <p:sldId id="272" r:id="rId8"/>
+    <p:sldId id="268" r:id="rId9"/>
+    <p:sldId id="274" r:id="rId10"/>
+    <p:sldId id="279" r:id="rId11"/>
+    <p:sldId id="275" r:id="rId12"/>
+    <p:sldId id="276" r:id="rId13"/>
+    <p:sldId id="280" r:id="rId14"/>
+    <p:sldId id="278" r:id="rId15"/>
   </p:sldIdLst>
   <p:sldSz cx="9144000" cy="5143500" type="screen16x9"/>
   <p:notesSz cx="6858000" cy="9144000"/>
@@ -268,7 +273,7 @@
             <a:fld id="{11D00EF0-620D-6D42-BE8F-A31A5DBBF69B}" type="datetimeFigureOut">
               <a:rPr lang="en-US" smtClean="0"/>
               <a:pPr/>
-              <a:t>4/26/20</a:t>
+              <a:t>4/27/20</a:t>
             </a:fld>
             <a:endParaRPr lang="en-US"/>
           </a:p>
@@ -450,7 +455,7 @@
           <a:p>
             <a:fld id="{11D00EF0-620D-6D42-BE8F-A31A5DBBF69B}" type="datetimeFigureOut">
               <a:rPr lang="en-US" smtClean="0"/>
-              <a:t>4/26/20</a:t>
+              <a:t>4/27/20</a:t>
             </a:fld>
             <a:endParaRPr lang="en-US"/>
           </a:p>
@@ -625,7 +630,7 @@
           <a:p>
             <a:fld id="{11D00EF0-620D-6D42-BE8F-A31A5DBBF69B}" type="datetimeFigureOut">
               <a:rPr lang="en-US" smtClean="0"/>
-              <a:t>4/26/20</a:t>
+              <a:t>4/27/20</a:t>
             </a:fld>
             <a:endParaRPr lang="en-US"/>
           </a:p>
@@ -829,7 +834,7 @@
             <a:fld id="{11D00EF0-620D-6D42-BE8F-A31A5DBBF69B}" type="datetimeFigureOut">
               <a:rPr lang="en-US" smtClean="0"/>
               <a:pPr/>
-              <a:t>4/26/20</a:t>
+              <a:t>4/27/20</a:t>
             </a:fld>
             <a:endParaRPr lang="en-US"/>
           </a:p>
@@ -1081,7 +1086,7 @@
           <a:p>
             <a:fld id="{11D00EF0-620D-6D42-BE8F-A31A5DBBF69B}" type="datetimeFigureOut">
               <a:rPr lang="en-US" smtClean="0"/>
-              <a:t>4/26/20</a:t>
+              <a:t>4/27/20</a:t>
             </a:fld>
             <a:endParaRPr lang="en-US"/>
           </a:p>
@@ -1308,7 +1313,7 @@
           <a:p>
             <a:fld id="{11D00EF0-620D-6D42-BE8F-A31A5DBBF69B}" type="datetimeFigureOut">
               <a:rPr lang="en-US" smtClean="0"/>
-              <a:t>4/26/20</a:t>
+              <a:t>4/27/20</a:t>
             </a:fld>
             <a:endParaRPr lang="en-US"/>
           </a:p>
@@ -1670,7 +1675,7 @@
           <a:p>
             <a:fld id="{11D00EF0-620D-6D42-BE8F-A31A5DBBF69B}" type="datetimeFigureOut">
               <a:rPr lang="en-US" smtClean="0"/>
-              <a:t>4/26/20</a:t>
+              <a:t>4/27/20</a:t>
             </a:fld>
             <a:endParaRPr lang="en-US"/>
           </a:p>
@@ -1783,7 +1788,7 @@
           <a:p>
             <a:fld id="{11D00EF0-620D-6D42-BE8F-A31A5DBBF69B}" type="datetimeFigureOut">
               <a:rPr lang="en-US" smtClean="0"/>
-              <a:t>4/26/20</a:t>
+              <a:t>4/27/20</a:t>
             </a:fld>
             <a:endParaRPr lang="en-US"/>
           </a:p>
@@ -1873,7 +1878,7 @@
           <a:p>
             <a:fld id="{11D00EF0-620D-6D42-BE8F-A31A5DBBF69B}" type="datetimeFigureOut">
               <a:rPr lang="en-US" smtClean="0"/>
-              <a:t>4/26/20</a:t>
+              <a:t>4/27/20</a:t>
             </a:fld>
             <a:endParaRPr lang="en-US"/>
           </a:p>
@@ -2145,7 +2150,7 @@
           <a:p>
             <a:fld id="{11D00EF0-620D-6D42-BE8F-A31A5DBBF69B}" type="datetimeFigureOut">
               <a:rPr lang="en-US" smtClean="0"/>
-              <a:t>4/26/20</a:t>
+              <a:t>4/27/20</a:t>
             </a:fld>
             <a:endParaRPr lang="en-US"/>
           </a:p>
@@ -2397,7 +2402,7 @@
           <a:p>
             <a:fld id="{11D00EF0-620D-6D42-BE8F-A31A5DBBF69B}" type="datetimeFigureOut">
               <a:rPr lang="en-US" smtClean="0"/>
-              <a:t>4/26/20</a:t>
+              <a:t>4/27/20</a:t>
             </a:fld>
             <a:endParaRPr lang="en-US"/>
           </a:p>
@@ -2605,7 +2610,7 @@
           <a:p>
             <a:fld id="{11D00EF0-620D-6D42-BE8F-A31A5DBBF69B}" type="datetimeFigureOut">
               <a:rPr lang="en-US" smtClean="0"/>
-              <a:t>4/26/20</a:t>
+              <a:t>4/27/20</a:t>
             </a:fld>
             <a:endParaRPr lang="en-US"/>
           </a:p>
@@ -3068,6 +3073,2011 @@
 </p:sld>
 </file>
 
+<file path=ppt/slides/slide10.xml><?xml version="1.0" encoding="utf-8"?>
+<p:sld xmlns:a="http://schemas.openxmlformats.org/drawingml/2006/main" xmlns:r="http://schemas.openxmlformats.org/officeDocument/2006/relationships" xmlns:p="http://schemas.openxmlformats.org/presentationml/2006/main">
+  <p:cSld>
+    <p:spTree>
+      <p:nvGrpSpPr>
+        <p:cNvPr id="1" name=""/>
+        <p:cNvGrpSpPr/>
+        <p:nvPr/>
+      </p:nvGrpSpPr>
+      <p:grpSpPr>
+        <a:xfrm>
+          <a:off x="0" y="0"/>
+          <a:ext cx="0" cy="0"/>
+          <a:chOff x="0" y="0"/>
+          <a:chExt cx="0" cy="0"/>
+        </a:xfrm>
+      </p:grpSpPr>
+      <p:sp>
+        <p:nvSpPr>
+          <p:cNvPr id="2" name="Title 1">
+            <a:extLst>
+              <a:ext uri="{FF2B5EF4-FFF2-40B4-BE49-F238E27FC236}">
+                <a16:creationId xmlns:a16="http://schemas.microsoft.com/office/drawing/2014/main" id="{2199D4CF-3E5E-274D-BB33-E7C7FA863162}"/>
+              </a:ext>
+            </a:extLst>
+          </p:cNvPr>
+          <p:cNvSpPr>
+            <a:spLocks noGrp="1"/>
+          </p:cNvSpPr>
+          <p:nvPr>
+            <p:ph type="title"/>
+          </p:nvPr>
+        </p:nvSpPr>
+        <p:spPr/>
+        <p:txBody>
+          <a:bodyPr/>
+          <a:lstStyle/>
+          <a:p>
+            <a:r>
+              <a:rPr lang="en-US" dirty="0"/>
+              <a:t>Pulling when you have local work</a:t>
+            </a:r>
+          </a:p>
+        </p:txBody>
+      </p:sp>
+      <p:sp>
+        <p:nvSpPr>
+          <p:cNvPr id="4" name="Content Placeholder 2">
+            <a:extLst>
+              <a:ext uri="{FF2B5EF4-FFF2-40B4-BE49-F238E27FC236}">
+                <a16:creationId xmlns:a16="http://schemas.microsoft.com/office/drawing/2014/main" id="{4C996871-6798-2843-987B-E30FF3D2E905}"/>
+              </a:ext>
+            </a:extLst>
+          </p:cNvPr>
+          <p:cNvSpPr txBox="1">
+            <a:spLocks/>
+          </p:cNvSpPr>
+          <p:nvPr/>
+        </p:nvSpPr>
+        <p:spPr>
+          <a:xfrm>
+            <a:off x="628650" y="1014883"/>
+            <a:ext cx="4370640" cy="1181387"/>
+          </a:xfrm>
+          <a:prstGeom prst="rect">
+            <a:avLst/>
+          </a:prstGeom>
+        </p:spPr>
+        <p:txBody>
+          <a:bodyPr vert="horz" lIns="91440" tIns="45720" rIns="91440" bIns="45720" rtlCol="0">
+            <a:normAutofit/>
+          </a:bodyPr>
+          <a:lstStyle>
+            <a:lvl1pPr marL="171450" indent="-171450" algn="l" defTabSz="685800" rtl="0" eaLnBrk="1" latinLnBrk="0" hangingPunct="1">
+              <a:lnSpc>
+                <a:spcPct val="90000"/>
+              </a:lnSpc>
+              <a:spcBef>
+                <a:spcPts val="750"/>
+              </a:spcBef>
+              <a:buFont typeface="Arial" panose="020B0604020202020204" pitchFamily="34" charset="0"/>
+              <a:buChar char="•"/>
+              <a:defRPr sz="2100" kern="1200">
+                <a:solidFill>
+                  <a:schemeClr val="tx1"/>
+                </a:solidFill>
+                <a:latin typeface="Avenir Roman" panose="02000503020000020003" pitchFamily="2" charset="0"/>
+                <a:ea typeface="+mn-ea"/>
+                <a:cs typeface="+mn-cs"/>
+              </a:defRPr>
+            </a:lvl1pPr>
+            <a:lvl2pPr marL="514350" indent="-171450" algn="l" defTabSz="685800" rtl="0" eaLnBrk="1" latinLnBrk="0" hangingPunct="1">
+              <a:lnSpc>
+                <a:spcPct val="90000"/>
+              </a:lnSpc>
+              <a:spcBef>
+                <a:spcPts val="375"/>
+              </a:spcBef>
+              <a:buFont typeface="Arial" panose="020B0604020202020204" pitchFamily="34" charset="0"/>
+              <a:buChar char="•"/>
+              <a:defRPr sz="1800" kern="1200">
+                <a:solidFill>
+                  <a:schemeClr val="tx1"/>
+                </a:solidFill>
+                <a:latin typeface="Avenir Roman" panose="02000503020000020003" pitchFamily="2" charset="0"/>
+                <a:ea typeface="+mn-ea"/>
+                <a:cs typeface="+mn-cs"/>
+              </a:defRPr>
+            </a:lvl2pPr>
+            <a:lvl3pPr marL="857250" indent="-171450" algn="l" defTabSz="685800" rtl="0" eaLnBrk="1" latinLnBrk="0" hangingPunct="1">
+              <a:lnSpc>
+                <a:spcPct val="90000"/>
+              </a:lnSpc>
+              <a:spcBef>
+                <a:spcPts val="375"/>
+              </a:spcBef>
+              <a:buFont typeface="Arial" panose="020B0604020202020204" pitchFamily="34" charset="0"/>
+              <a:buChar char="•"/>
+              <a:defRPr sz="1500" kern="1200">
+                <a:solidFill>
+                  <a:schemeClr val="tx1"/>
+                </a:solidFill>
+                <a:latin typeface="Avenir Roman" panose="02000503020000020003" pitchFamily="2" charset="0"/>
+                <a:ea typeface="+mn-ea"/>
+                <a:cs typeface="+mn-cs"/>
+              </a:defRPr>
+            </a:lvl3pPr>
+            <a:lvl4pPr marL="1200150" indent="-171450" algn="l" defTabSz="685800" rtl="0" eaLnBrk="1" latinLnBrk="0" hangingPunct="1">
+              <a:lnSpc>
+                <a:spcPct val="90000"/>
+              </a:lnSpc>
+              <a:spcBef>
+                <a:spcPts val="375"/>
+              </a:spcBef>
+              <a:buFont typeface="Arial" panose="020B0604020202020204" pitchFamily="34" charset="0"/>
+              <a:buChar char="•"/>
+              <a:defRPr sz="1350" kern="1200">
+                <a:solidFill>
+                  <a:schemeClr val="tx1"/>
+                </a:solidFill>
+                <a:latin typeface="Avenir Roman" panose="02000503020000020003" pitchFamily="2" charset="0"/>
+                <a:ea typeface="+mn-ea"/>
+                <a:cs typeface="+mn-cs"/>
+              </a:defRPr>
+            </a:lvl4pPr>
+            <a:lvl5pPr marL="1543050" indent="-171450" algn="l" defTabSz="685800" rtl="0" eaLnBrk="1" latinLnBrk="0" hangingPunct="1">
+              <a:lnSpc>
+                <a:spcPct val="90000"/>
+              </a:lnSpc>
+              <a:spcBef>
+                <a:spcPts val="375"/>
+              </a:spcBef>
+              <a:buFont typeface="Arial" panose="020B0604020202020204" pitchFamily="34" charset="0"/>
+              <a:buChar char="•"/>
+              <a:defRPr sz="1350" kern="1200">
+                <a:solidFill>
+                  <a:schemeClr val="tx1"/>
+                </a:solidFill>
+                <a:latin typeface="Avenir Roman" panose="02000503020000020003" pitchFamily="2" charset="0"/>
+                <a:ea typeface="+mn-ea"/>
+                <a:cs typeface="+mn-cs"/>
+              </a:defRPr>
+            </a:lvl5pPr>
+            <a:lvl6pPr marL="1885950" indent="-171450" algn="l" defTabSz="685800" rtl="0" eaLnBrk="1" latinLnBrk="0" hangingPunct="1">
+              <a:lnSpc>
+                <a:spcPct val="90000"/>
+              </a:lnSpc>
+              <a:spcBef>
+                <a:spcPts val="375"/>
+              </a:spcBef>
+              <a:buFont typeface="Arial" panose="020B0604020202020204" pitchFamily="34" charset="0"/>
+              <a:buChar char="•"/>
+              <a:defRPr sz="1350" kern="1200">
+                <a:solidFill>
+                  <a:schemeClr val="tx1"/>
+                </a:solidFill>
+                <a:latin typeface="+mn-lt"/>
+                <a:ea typeface="+mn-ea"/>
+                <a:cs typeface="+mn-cs"/>
+              </a:defRPr>
+            </a:lvl6pPr>
+            <a:lvl7pPr marL="2228850" indent="-171450" algn="l" defTabSz="685800" rtl="0" eaLnBrk="1" latinLnBrk="0" hangingPunct="1">
+              <a:lnSpc>
+                <a:spcPct val="90000"/>
+              </a:lnSpc>
+              <a:spcBef>
+                <a:spcPts val="375"/>
+              </a:spcBef>
+              <a:buFont typeface="Arial" panose="020B0604020202020204" pitchFamily="34" charset="0"/>
+              <a:buChar char="•"/>
+              <a:defRPr sz="1350" kern="1200">
+                <a:solidFill>
+                  <a:schemeClr val="tx1"/>
+                </a:solidFill>
+                <a:latin typeface="+mn-lt"/>
+                <a:ea typeface="+mn-ea"/>
+                <a:cs typeface="+mn-cs"/>
+              </a:defRPr>
+            </a:lvl7pPr>
+            <a:lvl8pPr marL="2571750" indent="-171450" algn="l" defTabSz="685800" rtl="0" eaLnBrk="1" latinLnBrk="0" hangingPunct="1">
+              <a:lnSpc>
+                <a:spcPct val="90000"/>
+              </a:lnSpc>
+              <a:spcBef>
+                <a:spcPts val="375"/>
+              </a:spcBef>
+              <a:buFont typeface="Arial" panose="020B0604020202020204" pitchFamily="34" charset="0"/>
+              <a:buChar char="•"/>
+              <a:defRPr sz="1350" kern="1200">
+                <a:solidFill>
+                  <a:schemeClr val="tx1"/>
+                </a:solidFill>
+                <a:latin typeface="+mn-lt"/>
+                <a:ea typeface="+mn-ea"/>
+                <a:cs typeface="+mn-cs"/>
+              </a:defRPr>
+            </a:lvl8pPr>
+            <a:lvl9pPr marL="2914650" indent="-171450" algn="l" defTabSz="685800" rtl="0" eaLnBrk="1" latinLnBrk="0" hangingPunct="1">
+              <a:lnSpc>
+                <a:spcPct val="90000"/>
+              </a:lnSpc>
+              <a:spcBef>
+                <a:spcPts val="375"/>
+              </a:spcBef>
+              <a:buFont typeface="Arial" panose="020B0604020202020204" pitchFamily="34" charset="0"/>
+              <a:buChar char="•"/>
+              <a:defRPr sz="1350" kern="1200">
+                <a:solidFill>
+                  <a:schemeClr val="tx1"/>
+                </a:solidFill>
+                <a:latin typeface="+mn-lt"/>
+                <a:ea typeface="+mn-ea"/>
+                <a:cs typeface="+mn-cs"/>
+              </a:defRPr>
+            </a:lvl9pPr>
+          </a:lstStyle>
+          <a:p>
+            <a:endParaRPr lang="en-US" sz="1600" dirty="0"/>
+          </a:p>
+          <a:p>
+            <a:pPr marL="0" indent="0">
+              <a:buFont typeface="Arial" panose="020B0604020202020204" pitchFamily="34" charset="0"/>
+              <a:buNone/>
+            </a:pPr>
+            <a:r>
+              <a:rPr lang="en-US" sz="1600" dirty="0"/>
+              <a:t>State of the repo on GitHub:</a:t>
+            </a:r>
+          </a:p>
+          <a:p>
+            <a:pPr marL="0" indent="0">
+              <a:buFont typeface="Arial" panose="020B0604020202020204" pitchFamily="34" charset="0"/>
+              <a:buNone/>
+            </a:pPr>
+            <a:r>
+              <a:rPr lang="en-US" sz="1600" dirty="0"/>
+              <a:t>A – B – C</a:t>
+            </a:r>
+          </a:p>
+          <a:p>
+            <a:pPr marL="0" indent="0">
+              <a:buFont typeface="Arial" panose="020B0604020202020204" pitchFamily="34" charset="0"/>
+              <a:buNone/>
+            </a:pPr>
+            <a:endParaRPr lang="en-US" sz="1600" dirty="0"/>
+          </a:p>
+          <a:p>
+            <a:pPr marL="0" indent="0">
+              <a:buFont typeface="Arial" panose="020B0604020202020204" pitchFamily="34" charset="0"/>
+              <a:buNone/>
+            </a:pPr>
+            <a:endParaRPr lang="en-US" sz="1600" dirty="0"/>
+          </a:p>
+        </p:txBody>
+      </p:sp>
+      <p:sp>
+        <p:nvSpPr>
+          <p:cNvPr id="6" name="TextBox 5">
+            <a:extLst>
+              <a:ext uri="{FF2B5EF4-FFF2-40B4-BE49-F238E27FC236}">
+                <a16:creationId xmlns:a16="http://schemas.microsoft.com/office/drawing/2014/main" id="{5166DEC6-9E43-D346-BB05-F1B7ABBABC83}"/>
+              </a:ext>
+            </a:extLst>
+          </p:cNvPr>
+          <p:cNvSpPr txBox="1"/>
+          <p:nvPr/>
+        </p:nvSpPr>
+        <p:spPr>
+          <a:xfrm>
+            <a:off x="628650" y="2862842"/>
+            <a:ext cx="7886700" cy="1815882"/>
+          </a:xfrm>
+          <a:prstGeom prst="rect">
+            <a:avLst/>
+          </a:prstGeom>
+          <a:noFill/>
+        </p:spPr>
+        <p:txBody>
+          <a:bodyPr wrap="square" rtlCol="0">
+            <a:spAutoFit/>
+          </a:bodyPr>
+          <a:lstStyle/>
+          <a:p>
+            <a:r>
+              <a:rPr lang="en-US" sz="1600" dirty="0">
+                <a:latin typeface="Avenir Roman" panose="02000503020000020003" pitchFamily="2" charset="0"/>
+              </a:rPr>
+              <a:t>When working on different files, versions can be merged smoothly</a:t>
+            </a:r>
+          </a:p>
+          <a:p>
+            <a:endParaRPr lang="en-US" sz="1600" dirty="0">
+              <a:latin typeface="Avenir Roman" panose="02000503020000020003" pitchFamily="2" charset="0"/>
+            </a:endParaRPr>
+          </a:p>
+          <a:p>
+            <a:r>
+              <a:rPr lang="en-US" sz="1600" dirty="0">
+                <a:latin typeface="Avenir Roman" panose="02000503020000020003" pitchFamily="2" charset="0"/>
+              </a:rPr>
+              <a:t>Remote: A--B--C Local before 'git pull’: 		A--B--(uncommitted changes) </a:t>
+            </a:r>
+            <a:br>
+              <a:rPr lang="en-US" sz="1600" dirty="0">
+                <a:latin typeface="Avenir Roman" panose="02000503020000020003" pitchFamily="2" charset="0"/>
+              </a:rPr>
+            </a:br>
+            <a:endParaRPr lang="en-US" sz="1600" dirty="0">
+              <a:latin typeface="Avenir Roman" panose="02000503020000020003" pitchFamily="2" charset="0"/>
+            </a:endParaRPr>
+          </a:p>
+          <a:p>
+            <a:r>
+              <a:rPr lang="en-US" sz="1600" dirty="0">
+                <a:latin typeface="Avenir Roman" panose="02000503020000020003" pitchFamily="2" charset="0"/>
+              </a:rPr>
+              <a:t>Local after 'git pull’: 			A--B--C--(uncommitted changes)</a:t>
+            </a:r>
+          </a:p>
+          <a:p>
+            <a:endParaRPr lang="en-US" sz="1600" dirty="0">
+              <a:latin typeface="Avenir Roman" panose="02000503020000020003" pitchFamily="2" charset="0"/>
+            </a:endParaRPr>
+          </a:p>
+          <a:p>
+            <a:endParaRPr lang="en-US" sz="1600" dirty="0">
+              <a:latin typeface="Avenir Roman" panose="02000503020000020003" pitchFamily="2" charset="0"/>
+            </a:endParaRPr>
+          </a:p>
+        </p:txBody>
+      </p:sp>
+      <p:sp>
+        <p:nvSpPr>
+          <p:cNvPr id="7" name="Content Placeholder 2">
+            <a:extLst>
+              <a:ext uri="{FF2B5EF4-FFF2-40B4-BE49-F238E27FC236}">
+                <a16:creationId xmlns:a16="http://schemas.microsoft.com/office/drawing/2014/main" id="{D413CB60-3B6F-F442-93D1-A7808AFDD8E0}"/>
+              </a:ext>
+            </a:extLst>
+          </p:cNvPr>
+          <p:cNvSpPr txBox="1">
+            <a:spLocks/>
+          </p:cNvSpPr>
+          <p:nvPr/>
+        </p:nvSpPr>
+        <p:spPr>
+          <a:xfrm>
+            <a:off x="4289988" y="1010610"/>
+            <a:ext cx="4370640" cy="1181387"/>
+          </a:xfrm>
+          <a:prstGeom prst="rect">
+            <a:avLst/>
+          </a:prstGeom>
+        </p:spPr>
+        <p:txBody>
+          <a:bodyPr vert="horz" lIns="91440" tIns="45720" rIns="91440" bIns="45720" rtlCol="0">
+            <a:noAutofit/>
+          </a:bodyPr>
+          <a:lstStyle>
+            <a:lvl1pPr marL="171450" indent="-171450" algn="l" defTabSz="685800" rtl="0" eaLnBrk="1" latinLnBrk="0" hangingPunct="1">
+              <a:lnSpc>
+                <a:spcPct val="90000"/>
+              </a:lnSpc>
+              <a:spcBef>
+                <a:spcPts val="750"/>
+              </a:spcBef>
+              <a:buFont typeface="Arial" panose="020B0604020202020204" pitchFamily="34" charset="0"/>
+              <a:buChar char="•"/>
+              <a:defRPr sz="2100" kern="1200">
+                <a:solidFill>
+                  <a:schemeClr val="tx1"/>
+                </a:solidFill>
+                <a:latin typeface="Avenir Roman" panose="02000503020000020003" pitchFamily="2" charset="0"/>
+                <a:ea typeface="+mn-ea"/>
+                <a:cs typeface="+mn-cs"/>
+              </a:defRPr>
+            </a:lvl1pPr>
+            <a:lvl2pPr marL="514350" indent="-171450" algn="l" defTabSz="685800" rtl="0" eaLnBrk="1" latinLnBrk="0" hangingPunct="1">
+              <a:lnSpc>
+                <a:spcPct val="90000"/>
+              </a:lnSpc>
+              <a:spcBef>
+                <a:spcPts val="375"/>
+              </a:spcBef>
+              <a:buFont typeface="Arial" panose="020B0604020202020204" pitchFamily="34" charset="0"/>
+              <a:buChar char="•"/>
+              <a:defRPr sz="1800" kern="1200">
+                <a:solidFill>
+                  <a:schemeClr val="tx1"/>
+                </a:solidFill>
+                <a:latin typeface="Avenir Roman" panose="02000503020000020003" pitchFamily="2" charset="0"/>
+                <a:ea typeface="+mn-ea"/>
+                <a:cs typeface="+mn-cs"/>
+              </a:defRPr>
+            </a:lvl2pPr>
+            <a:lvl3pPr marL="857250" indent="-171450" algn="l" defTabSz="685800" rtl="0" eaLnBrk="1" latinLnBrk="0" hangingPunct="1">
+              <a:lnSpc>
+                <a:spcPct val="90000"/>
+              </a:lnSpc>
+              <a:spcBef>
+                <a:spcPts val="375"/>
+              </a:spcBef>
+              <a:buFont typeface="Arial" panose="020B0604020202020204" pitchFamily="34" charset="0"/>
+              <a:buChar char="•"/>
+              <a:defRPr sz="1500" kern="1200">
+                <a:solidFill>
+                  <a:schemeClr val="tx1"/>
+                </a:solidFill>
+                <a:latin typeface="Avenir Roman" panose="02000503020000020003" pitchFamily="2" charset="0"/>
+                <a:ea typeface="+mn-ea"/>
+                <a:cs typeface="+mn-cs"/>
+              </a:defRPr>
+            </a:lvl3pPr>
+            <a:lvl4pPr marL="1200150" indent="-171450" algn="l" defTabSz="685800" rtl="0" eaLnBrk="1" latinLnBrk="0" hangingPunct="1">
+              <a:lnSpc>
+                <a:spcPct val="90000"/>
+              </a:lnSpc>
+              <a:spcBef>
+                <a:spcPts val="375"/>
+              </a:spcBef>
+              <a:buFont typeface="Arial" panose="020B0604020202020204" pitchFamily="34" charset="0"/>
+              <a:buChar char="•"/>
+              <a:defRPr sz="1350" kern="1200">
+                <a:solidFill>
+                  <a:schemeClr val="tx1"/>
+                </a:solidFill>
+                <a:latin typeface="Avenir Roman" panose="02000503020000020003" pitchFamily="2" charset="0"/>
+                <a:ea typeface="+mn-ea"/>
+                <a:cs typeface="+mn-cs"/>
+              </a:defRPr>
+            </a:lvl4pPr>
+            <a:lvl5pPr marL="1543050" indent="-171450" algn="l" defTabSz="685800" rtl="0" eaLnBrk="1" latinLnBrk="0" hangingPunct="1">
+              <a:lnSpc>
+                <a:spcPct val="90000"/>
+              </a:lnSpc>
+              <a:spcBef>
+                <a:spcPts val="375"/>
+              </a:spcBef>
+              <a:buFont typeface="Arial" panose="020B0604020202020204" pitchFamily="34" charset="0"/>
+              <a:buChar char="•"/>
+              <a:defRPr sz="1350" kern="1200">
+                <a:solidFill>
+                  <a:schemeClr val="tx1"/>
+                </a:solidFill>
+                <a:latin typeface="Avenir Roman" panose="02000503020000020003" pitchFamily="2" charset="0"/>
+                <a:ea typeface="+mn-ea"/>
+                <a:cs typeface="+mn-cs"/>
+              </a:defRPr>
+            </a:lvl5pPr>
+            <a:lvl6pPr marL="1885950" indent="-171450" algn="l" defTabSz="685800" rtl="0" eaLnBrk="1" latinLnBrk="0" hangingPunct="1">
+              <a:lnSpc>
+                <a:spcPct val="90000"/>
+              </a:lnSpc>
+              <a:spcBef>
+                <a:spcPts val="375"/>
+              </a:spcBef>
+              <a:buFont typeface="Arial" panose="020B0604020202020204" pitchFamily="34" charset="0"/>
+              <a:buChar char="•"/>
+              <a:defRPr sz="1350" kern="1200">
+                <a:solidFill>
+                  <a:schemeClr val="tx1"/>
+                </a:solidFill>
+                <a:latin typeface="+mn-lt"/>
+                <a:ea typeface="+mn-ea"/>
+                <a:cs typeface="+mn-cs"/>
+              </a:defRPr>
+            </a:lvl6pPr>
+            <a:lvl7pPr marL="2228850" indent="-171450" algn="l" defTabSz="685800" rtl="0" eaLnBrk="1" latinLnBrk="0" hangingPunct="1">
+              <a:lnSpc>
+                <a:spcPct val="90000"/>
+              </a:lnSpc>
+              <a:spcBef>
+                <a:spcPts val="375"/>
+              </a:spcBef>
+              <a:buFont typeface="Arial" panose="020B0604020202020204" pitchFamily="34" charset="0"/>
+              <a:buChar char="•"/>
+              <a:defRPr sz="1350" kern="1200">
+                <a:solidFill>
+                  <a:schemeClr val="tx1"/>
+                </a:solidFill>
+                <a:latin typeface="+mn-lt"/>
+                <a:ea typeface="+mn-ea"/>
+                <a:cs typeface="+mn-cs"/>
+              </a:defRPr>
+            </a:lvl7pPr>
+            <a:lvl8pPr marL="2571750" indent="-171450" algn="l" defTabSz="685800" rtl="0" eaLnBrk="1" latinLnBrk="0" hangingPunct="1">
+              <a:lnSpc>
+                <a:spcPct val="90000"/>
+              </a:lnSpc>
+              <a:spcBef>
+                <a:spcPts val="375"/>
+              </a:spcBef>
+              <a:buFont typeface="Arial" panose="020B0604020202020204" pitchFamily="34" charset="0"/>
+              <a:buChar char="•"/>
+              <a:defRPr sz="1350" kern="1200">
+                <a:solidFill>
+                  <a:schemeClr val="tx1"/>
+                </a:solidFill>
+                <a:latin typeface="+mn-lt"/>
+                <a:ea typeface="+mn-ea"/>
+                <a:cs typeface="+mn-cs"/>
+              </a:defRPr>
+            </a:lvl8pPr>
+            <a:lvl9pPr marL="2914650" indent="-171450" algn="l" defTabSz="685800" rtl="0" eaLnBrk="1" latinLnBrk="0" hangingPunct="1">
+              <a:lnSpc>
+                <a:spcPct val="90000"/>
+              </a:lnSpc>
+              <a:spcBef>
+                <a:spcPts val="375"/>
+              </a:spcBef>
+              <a:buFont typeface="Arial" panose="020B0604020202020204" pitchFamily="34" charset="0"/>
+              <a:buChar char="•"/>
+              <a:defRPr sz="1350" kern="1200">
+                <a:solidFill>
+                  <a:schemeClr val="tx1"/>
+                </a:solidFill>
+                <a:latin typeface="+mn-lt"/>
+                <a:ea typeface="+mn-ea"/>
+                <a:cs typeface="+mn-cs"/>
+              </a:defRPr>
+            </a:lvl9pPr>
+          </a:lstStyle>
+          <a:p>
+            <a:endParaRPr lang="en-US" sz="1600" dirty="0"/>
+          </a:p>
+          <a:p>
+            <a:pPr marL="0" indent="0">
+              <a:buNone/>
+            </a:pPr>
+            <a:r>
+              <a:rPr lang="en-US" sz="1600" dirty="0"/>
+              <a:t>State of your local repo:</a:t>
+            </a:r>
+          </a:p>
+          <a:p>
+            <a:pPr marL="0" indent="0">
+              <a:buNone/>
+            </a:pPr>
+            <a:r>
+              <a:rPr lang="en-US" sz="1600" dirty="0"/>
+              <a:t>A – B – D        OR</a:t>
+            </a:r>
+          </a:p>
+          <a:p>
+            <a:pPr marL="0" indent="0">
+              <a:buNone/>
+            </a:pPr>
+            <a:r>
+              <a:rPr lang="en-US" sz="1600" dirty="0"/>
+              <a:t>A – B – (uncommitted changes)</a:t>
+            </a:r>
+          </a:p>
+          <a:p>
+            <a:pPr marL="0" indent="0">
+              <a:buNone/>
+            </a:pPr>
+            <a:endParaRPr lang="en-US" sz="1600" dirty="0"/>
+          </a:p>
+          <a:p>
+            <a:pPr marL="0" indent="0">
+              <a:buFont typeface="Arial" panose="020B0604020202020204" pitchFamily="34" charset="0"/>
+              <a:buNone/>
+            </a:pPr>
+            <a:endParaRPr lang="en-US" sz="1600" dirty="0"/>
+          </a:p>
+        </p:txBody>
+      </p:sp>
+    </p:spTree>
+    <p:extLst>
+      <p:ext uri="{BB962C8B-B14F-4D97-AF65-F5344CB8AC3E}">
+        <p14:creationId xmlns:p14="http://schemas.microsoft.com/office/powerpoint/2010/main" val="2226755187"/>
+      </p:ext>
+    </p:extLst>
+  </p:cSld>
+  <p:clrMapOvr>
+    <a:masterClrMapping/>
+  </p:clrMapOvr>
+</p:sld>
+</file>
+
+<file path=ppt/slides/slide11.xml><?xml version="1.0" encoding="utf-8"?>
+<p:sld xmlns:a="http://schemas.openxmlformats.org/drawingml/2006/main" xmlns:r="http://schemas.openxmlformats.org/officeDocument/2006/relationships" xmlns:p="http://schemas.openxmlformats.org/presentationml/2006/main">
+  <p:cSld>
+    <p:spTree>
+      <p:nvGrpSpPr>
+        <p:cNvPr id="1" name=""/>
+        <p:cNvGrpSpPr/>
+        <p:nvPr/>
+      </p:nvGrpSpPr>
+      <p:grpSpPr>
+        <a:xfrm>
+          <a:off x="0" y="0"/>
+          <a:ext cx="0" cy="0"/>
+          <a:chOff x="0" y="0"/>
+          <a:chExt cx="0" cy="0"/>
+        </a:xfrm>
+      </p:grpSpPr>
+      <p:sp>
+        <p:nvSpPr>
+          <p:cNvPr id="2" name="Title 1">
+            <a:extLst>
+              <a:ext uri="{FF2B5EF4-FFF2-40B4-BE49-F238E27FC236}">
+                <a16:creationId xmlns:a16="http://schemas.microsoft.com/office/drawing/2014/main" id="{2199D4CF-3E5E-274D-BB33-E7C7FA863162}"/>
+              </a:ext>
+            </a:extLst>
+          </p:cNvPr>
+          <p:cNvSpPr>
+            <a:spLocks noGrp="1"/>
+          </p:cNvSpPr>
+          <p:nvPr>
+            <p:ph type="title"/>
+          </p:nvPr>
+        </p:nvSpPr>
+        <p:spPr/>
+        <p:txBody>
+          <a:bodyPr/>
+          <a:lstStyle/>
+          <a:p>
+            <a:r>
+              <a:rPr lang="en-US" dirty="0"/>
+              <a:t>Pulling when you have local work</a:t>
+            </a:r>
+          </a:p>
+        </p:txBody>
+      </p:sp>
+      <p:sp>
+        <p:nvSpPr>
+          <p:cNvPr id="4" name="Content Placeholder 2">
+            <a:extLst>
+              <a:ext uri="{FF2B5EF4-FFF2-40B4-BE49-F238E27FC236}">
+                <a16:creationId xmlns:a16="http://schemas.microsoft.com/office/drawing/2014/main" id="{4C996871-6798-2843-987B-E30FF3D2E905}"/>
+              </a:ext>
+            </a:extLst>
+          </p:cNvPr>
+          <p:cNvSpPr txBox="1">
+            <a:spLocks/>
+          </p:cNvSpPr>
+          <p:nvPr/>
+        </p:nvSpPr>
+        <p:spPr>
+          <a:xfrm>
+            <a:off x="628650" y="1014883"/>
+            <a:ext cx="4370640" cy="1181387"/>
+          </a:xfrm>
+          <a:prstGeom prst="rect">
+            <a:avLst/>
+          </a:prstGeom>
+        </p:spPr>
+        <p:txBody>
+          <a:bodyPr vert="horz" lIns="91440" tIns="45720" rIns="91440" bIns="45720" rtlCol="0">
+            <a:normAutofit/>
+          </a:bodyPr>
+          <a:lstStyle>
+            <a:lvl1pPr marL="171450" indent="-171450" algn="l" defTabSz="685800" rtl="0" eaLnBrk="1" latinLnBrk="0" hangingPunct="1">
+              <a:lnSpc>
+                <a:spcPct val="90000"/>
+              </a:lnSpc>
+              <a:spcBef>
+                <a:spcPts val="750"/>
+              </a:spcBef>
+              <a:buFont typeface="Arial" panose="020B0604020202020204" pitchFamily="34" charset="0"/>
+              <a:buChar char="•"/>
+              <a:defRPr sz="2100" kern="1200">
+                <a:solidFill>
+                  <a:schemeClr val="tx1"/>
+                </a:solidFill>
+                <a:latin typeface="Avenir Roman" panose="02000503020000020003" pitchFamily="2" charset="0"/>
+                <a:ea typeface="+mn-ea"/>
+                <a:cs typeface="+mn-cs"/>
+              </a:defRPr>
+            </a:lvl1pPr>
+            <a:lvl2pPr marL="514350" indent="-171450" algn="l" defTabSz="685800" rtl="0" eaLnBrk="1" latinLnBrk="0" hangingPunct="1">
+              <a:lnSpc>
+                <a:spcPct val="90000"/>
+              </a:lnSpc>
+              <a:spcBef>
+                <a:spcPts val="375"/>
+              </a:spcBef>
+              <a:buFont typeface="Arial" panose="020B0604020202020204" pitchFamily="34" charset="0"/>
+              <a:buChar char="•"/>
+              <a:defRPr sz="1800" kern="1200">
+                <a:solidFill>
+                  <a:schemeClr val="tx1"/>
+                </a:solidFill>
+                <a:latin typeface="Avenir Roman" panose="02000503020000020003" pitchFamily="2" charset="0"/>
+                <a:ea typeface="+mn-ea"/>
+                <a:cs typeface="+mn-cs"/>
+              </a:defRPr>
+            </a:lvl2pPr>
+            <a:lvl3pPr marL="857250" indent="-171450" algn="l" defTabSz="685800" rtl="0" eaLnBrk="1" latinLnBrk="0" hangingPunct="1">
+              <a:lnSpc>
+                <a:spcPct val="90000"/>
+              </a:lnSpc>
+              <a:spcBef>
+                <a:spcPts val="375"/>
+              </a:spcBef>
+              <a:buFont typeface="Arial" panose="020B0604020202020204" pitchFamily="34" charset="0"/>
+              <a:buChar char="•"/>
+              <a:defRPr sz="1500" kern="1200">
+                <a:solidFill>
+                  <a:schemeClr val="tx1"/>
+                </a:solidFill>
+                <a:latin typeface="Avenir Roman" panose="02000503020000020003" pitchFamily="2" charset="0"/>
+                <a:ea typeface="+mn-ea"/>
+                <a:cs typeface="+mn-cs"/>
+              </a:defRPr>
+            </a:lvl3pPr>
+            <a:lvl4pPr marL="1200150" indent="-171450" algn="l" defTabSz="685800" rtl="0" eaLnBrk="1" latinLnBrk="0" hangingPunct="1">
+              <a:lnSpc>
+                <a:spcPct val="90000"/>
+              </a:lnSpc>
+              <a:spcBef>
+                <a:spcPts val="375"/>
+              </a:spcBef>
+              <a:buFont typeface="Arial" panose="020B0604020202020204" pitchFamily="34" charset="0"/>
+              <a:buChar char="•"/>
+              <a:defRPr sz="1350" kern="1200">
+                <a:solidFill>
+                  <a:schemeClr val="tx1"/>
+                </a:solidFill>
+                <a:latin typeface="Avenir Roman" panose="02000503020000020003" pitchFamily="2" charset="0"/>
+                <a:ea typeface="+mn-ea"/>
+                <a:cs typeface="+mn-cs"/>
+              </a:defRPr>
+            </a:lvl4pPr>
+            <a:lvl5pPr marL="1543050" indent="-171450" algn="l" defTabSz="685800" rtl="0" eaLnBrk="1" latinLnBrk="0" hangingPunct="1">
+              <a:lnSpc>
+                <a:spcPct val="90000"/>
+              </a:lnSpc>
+              <a:spcBef>
+                <a:spcPts val="375"/>
+              </a:spcBef>
+              <a:buFont typeface="Arial" panose="020B0604020202020204" pitchFamily="34" charset="0"/>
+              <a:buChar char="•"/>
+              <a:defRPr sz="1350" kern="1200">
+                <a:solidFill>
+                  <a:schemeClr val="tx1"/>
+                </a:solidFill>
+                <a:latin typeface="Avenir Roman" panose="02000503020000020003" pitchFamily="2" charset="0"/>
+                <a:ea typeface="+mn-ea"/>
+                <a:cs typeface="+mn-cs"/>
+              </a:defRPr>
+            </a:lvl5pPr>
+            <a:lvl6pPr marL="1885950" indent="-171450" algn="l" defTabSz="685800" rtl="0" eaLnBrk="1" latinLnBrk="0" hangingPunct="1">
+              <a:lnSpc>
+                <a:spcPct val="90000"/>
+              </a:lnSpc>
+              <a:spcBef>
+                <a:spcPts val="375"/>
+              </a:spcBef>
+              <a:buFont typeface="Arial" panose="020B0604020202020204" pitchFamily="34" charset="0"/>
+              <a:buChar char="•"/>
+              <a:defRPr sz="1350" kern="1200">
+                <a:solidFill>
+                  <a:schemeClr val="tx1"/>
+                </a:solidFill>
+                <a:latin typeface="+mn-lt"/>
+                <a:ea typeface="+mn-ea"/>
+                <a:cs typeface="+mn-cs"/>
+              </a:defRPr>
+            </a:lvl6pPr>
+            <a:lvl7pPr marL="2228850" indent="-171450" algn="l" defTabSz="685800" rtl="0" eaLnBrk="1" latinLnBrk="0" hangingPunct="1">
+              <a:lnSpc>
+                <a:spcPct val="90000"/>
+              </a:lnSpc>
+              <a:spcBef>
+                <a:spcPts val="375"/>
+              </a:spcBef>
+              <a:buFont typeface="Arial" panose="020B0604020202020204" pitchFamily="34" charset="0"/>
+              <a:buChar char="•"/>
+              <a:defRPr sz="1350" kern="1200">
+                <a:solidFill>
+                  <a:schemeClr val="tx1"/>
+                </a:solidFill>
+                <a:latin typeface="+mn-lt"/>
+                <a:ea typeface="+mn-ea"/>
+                <a:cs typeface="+mn-cs"/>
+              </a:defRPr>
+            </a:lvl7pPr>
+            <a:lvl8pPr marL="2571750" indent="-171450" algn="l" defTabSz="685800" rtl="0" eaLnBrk="1" latinLnBrk="0" hangingPunct="1">
+              <a:lnSpc>
+                <a:spcPct val="90000"/>
+              </a:lnSpc>
+              <a:spcBef>
+                <a:spcPts val="375"/>
+              </a:spcBef>
+              <a:buFont typeface="Arial" panose="020B0604020202020204" pitchFamily="34" charset="0"/>
+              <a:buChar char="•"/>
+              <a:defRPr sz="1350" kern="1200">
+                <a:solidFill>
+                  <a:schemeClr val="tx1"/>
+                </a:solidFill>
+                <a:latin typeface="+mn-lt"/>
+                <a:ea typeface="+mn-ea"/>
+                <a:cs typeface="+mn-cs"/>
+              </a:defRPr>
+            </a:lvl8pPr>
+            <a:lvl9pPr marL="2914650" indent="-171450" algn="l" defTabSz="685800" rtl="0" eaLnBrk="1" latinLnBrk="0" hangingPunct="1">
+              <a:lnSpc>
+                <a:spcPct val="90000"/>
+              </a:lnSpc>
+              <a:spcBef>
+                <a:spcPts val="375"/>
+              </a:spcBef>
+              <a:buFont typeface="Arial" panose="020B0604020202020204" pitchFamily="34" charset="0"/>
+              <a:buChar char="•"/>
+              <a:defRPr sz="1350" kern="1200">
+                <a:solidFill>
+                  <a:schemeClr val="tx1"/>
+                </a:solidFill>
+                <a:latin typeface="+mn-lt"/>
+                <a:ea typeface="+mn-ea"/>
+                <a:cs typeface="+mn-cs"/>
+              </a:defRPr>
+            </a:lvl9pPr>
+          </a:lstStyle>
+          <a:p>
+            <a:endParaRPr lang="en-US" sz="1600" dirty="0"/>
+          </a:p>
+          <a:p>
+            <a:pPr marL="0" indent="0">
+              <a:buFont typeface="Arial" panose="020B0604020202020204" pitchFamily="34" charset="0"/>
+              <a:buNone/>
+            </a:pPr>
+            <a:r>
+              <a:rPr lang="en-US" sz="1600" dirty="0"/>
+              <a:t>State of the repo on GitHub:</a:t>
+            </a:r>
+          </a:p>
+          <a:p>
+            <a:pPr marL="0" indent="0">
+              <a:buFont typeface="Arial" panose="020B0604020202020204" pitchFamily="34" charset="0"/>
+              <a:buNone/>
+            </a:pPr>
+            <a:r>
+              <a:rPr lang="en-US" sz="1600" dirty="0"/>
+              <a:t>A – B – C</a:t>
+            </a:r>
+          </a:p>
+          <a:p>
+            <a:pPr marL="0" indent="0">
+              <a:buFont typeface="Arial" panose="020B0604020202020204" pitchFamily="34" charset="0"/>
+              <a:buNone/>
+            </a:pPr>
+            <a:endParaRPr lang="en-US" sz="1600" dirty="0"/>
+          </a:p>
+          <a:p>
+            <a:pPr marL="0" indent="0">
+              <a:buFont typeface="Arial" panose="020B0604020202020204" pitchFamily="34" charset="0"/>
+              <a:buNone/>
+            </a:pPr>
+            <a:endParaRPr lang="en-US" sz="1600" dirty="0"/>
+          </a:p>
+        </p:txBody>
+      </p:sp>
+      <p:sp>
+        <p:nvSpPr>
+          <p:cNvPr id="6" name="TextBox 5">
+            <a:extLst>
+              <a:ext uri="{FF2B5EF4-FFF2-40B4-BE49-F238E27FC236}">
+                <a16:creationId xmlns:a16="http://schemas.microsoft.com/office/drawing/2014/main" id="{5166DEC6-9E43-D346-BB05-F1B7ABBABC83}"/>
+              </a:ext>
+            </a:extLst>
+          </p:cNvPr>
+          <p:cNvSpPr txBox="1"/>
+          <p:nvPr/>
+        </p:nvSpPr>
+        <p:spPr>
+          <a:xfrm>
+            <a:off x="628650" y="2862842"/>
+            <a:ext cx="7886700" cy="1815882"/>
+          </a:xfrm>
+          <a:prstGeom prst="rect">
+            <a:avLst/>
+          </a:prstGeom>
+          <a:noFill/>
+        </p:spPr>
+        <p:txBody>
+          <a:bodyPr wrap="square" rtlCol="0">
+            <a:spAutoFit/>
+          </a:bodyPr>
+          <a:lstStyle/>
+          <a:p>
+            <a:r>
+              <a:rPr lang="en-US" sz="1600" dirty="0">
+                <a:latin typeface="Avenir Roman" panose="02000503020000020003" pitchFamily="2" charset="0"/>
+              </a:rPr>
+              <a:t>This also works when you have made edits to different parts of the same file</a:t>
+            </a:r>
+          </a:p>
+          <a:p>
+            <a:endParaRPr lang="en-US" sz="1600" dirty="0">
+              <a:latin typeface="Avenir Roman" panose="02000503020000020003" pitchFamily="2" charset="0"/>
+            </a:endParaRPr>
+          </a:p>
+          <a:p>
+            <a:r>
+              <a:rPr lang="en-US" sz="1600" dirty="0">
+                <a:latin typeface="Avenir Roman" panose="02000503020000020003" pitchFamily="2" charset="0"/>
+              </a:rPr>
+              <a:t>Remote: A--B--C Local before 'git pull’: 		A--B--(uncommitted changes) </a:t>
+            </a:r>
+            <a:br>
+              <a:rPr lang="en-US" sz="1600" dirty="0">
+                <a:latin typeface="Avenir Roman" panose="02000503020000020003" pitchFamily="2" charset="0"/>
+              </a:rPr>
+            </a:br>
+            <a:endParaRPr lang="en-US" sz="1600" dirty="0">
+              <a:latin typeface="Avenir Roman" panose="02000503020000020003" pitchFamily="2" charset="0"/>
+            </a:endParaRPr>
+          </a:p>
+          <a:p>
+            <a:r>
+              <a:rPr lang="en-US" sz="1600" dirty="0">
+                <a:latin typeface="Avenir Roman" panose="02000503020000020003" pitchFamily="2" charset="0"/>
+              </a:rPr>
+              <a:t>Local after 'git pull’: 			A--B--C--(uncommitted changes)</a:t>
+            </a:r>
+          </a:p>
+          <a:p>
+            <a:endParaRPr lang="en-US" sz="1600" dirty="0">
+              <a:latin typeface="Avenir Roman" panose="02000503020000020003" pitchFamily="2" charset="0"/>
+            </a:endParaRPr>
+          </a:p>
+          <a:p>
+            <a:endParaRPr lang="en-US" sz="1600" dirty="0">
+              <a:latin typeface="Avenir Roman" panose="02000503020000020003" pitchFamily="2" charset="0"/>
+            </a:endParaRPr>
+          </a:p>
+        </p:txBody>
+      </p:sp>
+      <p:sp>
+        <p:nvSpPr>
+          <p:cNvPr id="7" name="Content Placeholder 2">
+            <a:extLst>
+              <a:ext uri="{FF2B5EF4-FFF2-40B4-BE49-F238E27FC236}">
+                <a16:creationId xmlns:a16="http://schemas.microsoft.com/office/drawing/2014/main" id="{D413CB60-3B6F-F442-93D1-A7808AFDD8E0}"/>
+              </a:ext>
+            </a:extLst>
+          </p:cNvPr>
+          <p:cNvSpPr txBox="1">
+            <a:spLocks/>
+          </p:cNvSpPr>
+          <p:nvPr/>
+        </p:nvSpPr>
+        <p:spPr>
+          <a:xfrm>
+            <a:off x="4289988" y="1010610"/>
+            <a:ext cx="4370640" cy="1181387"/>
+          </a:xfrm>
+          <a:prstGeom prst="rect">
+            <a:avLst/>
+          </a:prstGeom>
+        </p:spPr>
+        <p:txBody>
+          <a:bodyPr vert="horz" lIns="91440" tIns="45720" rIns="91440" bIns="45720" rtlCol="0">
+            <a:noAutofit/>
+          </a:bodyPr>
+          <a:lstStyle>
+            <a:lvl1pPr marL="171450" indent="-171450" algn="l" defTabSz="685800" rtl="0" eaLnBrk="1" latinLnBrk="0" hangingPunct="1">
+              <a:lnSpc>
+                <a:spcPct val="90000"/>
+              </a:lnSpc>
+              <a:spcBef>
+                <a:spcPts val="750"/>
+              </a:spcBef>
+              <a:buFont typeface="Arial" panose="020B0604020202020204" pitchFamily="34" charset="0"/>
+              <a:buChar char="•"/>
+              <a:defRPr sz="2100" kern="1200">
+                <a:solidFill>
+                  <a:schemeClr val="tx1"/>
+                </a:solidFill>
+                <a:latin typeface="Avenir Roman" panose="02000503020000020003" pitchFamily="2" charset="0"/>
+                <a:ea typeface="+mn-ea"/>
+                <a:cs typeface="+mn-cs"/>
+              </a:defRPr>
+            </a:lvl1pPr>
+            <a:lvl2pPr marL="514350" indent="-171450" algn="l" defTabSz="685800" rtl="0" eaLnBrk="1" latinLnBrk="0" hangingPunct="1">
+              <a:lnSpc>
+                <a:spcPct val="90000"/>
+              </a:lnSpc>
+              <a:spcBef>
+                <a:spcPts val="375"/>
+              </a:spcBef>
+              <a:buFont typeface="Arial" panose="020B0604020202020204" pitchFamily="34" charset="0"/>
+              <a:buChar char="•"/>
+              <a:defRPr sz="1800" kern="1200">
+                <a:solidFill>
+                  <a:schemeClr val="tx1"/>
+                </a:solidFill>
+                <a:latin typeface="Avenir Roman" panose="02000503020000020003" pitchFamily="2" charset="0"/>
+                <a:ea typeface="+mn-ea"/>
+                <a:cs typeface="+mn-cs"/>
+              </a:defRPr>
+            </a:lvl2pPr>
+            <a:lvl3pPr marL="857250" indent="-171450" algn="l" defTabSz="685800" rtl="0" eaLnBrk="1" latinLnBrk="0" hangingPunct="1">
+              <a:lnSpc>
+                <a:spcPct val="90000"/>
+              </a:lnSpc>
+              <a:spcBef>
+                <a:spcPts val="375"/>
+              </a:spcBef>
+              <a:buFont typeface="Arial" panose="020B0604020202020204" pitchFamily="34" charset="0"/>
+              <a:buChar char="•"/>
+              <a:defRPr sz="1500" kern="1200">
+                <a:solidFill>
+                  <a:schemeClr val="tx1"/>
+                </a:solidFill>
+                <a:latin typeface="Avenir Roman" panose="02000503020000020003" pitchFamily="2" charset="0"/>
+                <a:ea typeface="+mn-ea"/>
+                <a:cs typeface="+mn-cs"/>
+              </a:defRPr>
+            </a:lvl3pPr>
+            <a:lvl4pPr marL="1200150" indent="-171450" algn="l" defTabSz="685800" rtl="0" eaLnBrk="1" latinLnBrk="0" hangingPunct="1">
+              <a:lnSpc>
+                <a:spcPct val="90000"/>
+              </a:lnSpc>
+              <a:spcBef>
+                <a:spcPts val="375"/>
+              </a:spcBef>
+              <a:buFont typeface="Arial" panose="020B0604020202020204" pitchFamily="34" charset="0"/>
+              <a:buChar char="•"/>
+              <a:defRPr sz="1350" kern="1200">
+                <a:solidFill>
+                  <a:schemeClr val="tx1"/>
+                </a:solidFill>
+                <a:latin typeface="Avenir Roman" panose="02000503020000020003" pitchFamily="2" charset="0"/>
+                <a:ea typeface="+mn-ea"/>
+                <a:cs typeface="+mn-cs"/>
+              </a:defRPr>
+            </a:lvl4pPr>
+            <a:lvl5pPr marL="1543050" indent="-171450" algn="l" defTabSz="685800" rtl="0" eaLnBrk="1" latinLnBrk="0" hangingPunct="1">
+              <a:lnSpc>
+                <a:spcPct val="90000"/>
+              </a:lnSpc>
+              <a:spcBef>
+                <a:spcPts val="375"/>
+              </a:spcBef>
+              <a:buFont typeface="Arial" panose="020B0604020202020204" pitchFamily="34" charset="0"/>
+              <a:buChar char="•"/>
+              <a:defRPr sz="1350" kern="1200">
+                <a:solidFill>
+                  <a:schemeClr val="tx1"/>
+                </a:solidFill>
+                <a:latin typeface="Avenir Roman" panose="02000503020000020003" pitchFamily="2" charset="0"/>
+                <a:ea typeface="+mn-ea"/>
+                <a:cs typeface="+mn-cs"/>
+              </a:defRPr>
+            </a:lvl5pPr>
+            <a:lvl6pPr marL="1885950" indent="-171450" algn="l" defTabSz="685800" rtl="0" eaLnBrk="1" latinLnBrk="0" hangingPunct="1">
+              <a:lnSpc>
+                <a:spcPct val="90000"/>
+              </a:lnSpc>
+              <a:spcBef>
+                <a:spcPts val="375"/>
+              </a:spcBef>
+              <a:buFont typeface="Arial" panose="020B0604020202020204" pitchFamily="34" charset="0"/>
+              <a:buChar char="•"/>
+              <a:defRPr sz="1350" kern="1200">
+                <a:solidFill>
+                  <a:schemeClr val="tx1"/>
+                </a:solidFill>
+                <a:latin typeface="+mn-lt"/>
+                <a:ea typeface="+mn-ea"/>
+                <a:cs typeface="+mn-cs"/>
+              </a:defRPr>
+            </a:lvl6pPr>
+            <a:lvl7pPr marL="2228850" indent="-171450" algn="l" defTabSz="685800" rtl="0" eaLnBrk="1" latinLnBrk="0" hangingPunct="1">
+              <a:lnSpc>
+                <a:spcPct val="90000"/>
+              </a:lnSpc>
+              <a:spcBef>
+                <a:spcPts val="375"/>
+              </a:spcBef>
+              <a:buFont typeface="Arial" panose="020B0604020202020204" pitchFamily="34" charset="0"/>
+              <a:buChar char="•"/>
+              <a:defRPr sz="1350" kern="1200">
+                <a:solidFill>
+                  <a:schemeClr val="tx1"/>
+                </a:solidFill>
+                <a:latin typeface="+mn-lt"/>
+                <a:ea typeface="+mn-ea"/>
+                <a:cs typeface="+mn-cs"/>
+              </a:defRPr>
+            </a:lvl7pPr>
+            <a:lvl8pPr marL="2571750" indent="-171450" algn="l" defTabSz="685800" rtl="0" eaLnBrk="1" latinLnBrk="0" hangingPunct="1">
+              <a:lnSpc>
+                <a:spcPct val="90000"/>
+              </a:lnSpc>
+              <a:spcBef>
+                <a:spcPts val="375"/>
+              </a:spcBef>
+              <a:buFont typeface="Arial" panose="020B0604020202020204" pitchFamily="34" charset="0"/>
+              <a:buChar char="•"/>
+              <a:defRPr sz="1350" kern="1200">
+                <a:solidFill>
+                  <a:schemeClr val="tx1"/>
+                </a:solidFill>
+                <a:latin typeface="+mn-lt"/>
+                <a:ea typeface="+mn-ea"/>
+                <a:cs typeface="+mn-cs"/>
+              </a:defRPr>
+            </a:lvl8pPr>
+            <a:lvl9pPr marL="2914650" indent="-171450" algn="l" defTabSz="685800" rtl="0" eaLnBrk="1" latinLnBrk="0" hangingPunct="1">
+              <a:lnSpc>
+                <a:spcPct val="90000"/>
+              </a:lnSpc>
+              <a:spcBef>
+                <a:spcPts val="375"/>
+              </a:spcBef>
+              <a:buFont typeface="Arial" panose="020B0604020202020204" pitchFamily="34" charset="0"/>
+              <a:buChar char="•"/>
+              <a:defRPr sz="1350" kern="1200">
+                <a:solidFill>
+                  <a:schemeClr val="tx1"/>
+                </a:solidFill>
+                <a:latin typeface="+mn-lt"/>
+                <a:ea typeface="+mn-ea"/>
+                <a:cs typeface="+mn-cs"/>
+              </a:defRPr>
+            </a:lvl9pPr>
+          </a:lstStyle>
+          <a:p>
+            <a:endParaRPr lang="en-US" sz="1600" dirty="0"/>
+          </a:p>
+          <a:p>
+            <a:pPr marL="0" indent="0">
+              <a:buNone/>
+            </a:pPr>
+            <a:r>
+              <a:rPr lang="en-US" sz="1600" dirty="0"/>
+              <a:t>State of your local repo:</a:t>
+            </a:r>
+          </a:p>
+          <a:p>
+            <a:pPr marL="0" indent="0">
+              <a:buNone/>
+            </a:pPr>
+            <a:r>
+              <a:rPr lang="en-US" sz="1600" dirty="0"/>
+              <a:t>A – B – D        OR</a:t>
+            </a:r>
+          </a:p>
+          <a:p>
+            <a:pPr marL="0" indent="0">
+              <a:buNone/>
+            </a:pPr>
+            <a:r>
+              <a:rPr lang="en-US" sz="1600" dirty="0"/>
+              <a:t>A – B – (uncommitted changes)</a:t>
+            </a:r>
+          </a:p>
+          <a:p>
+            <a:pPr marL="0" indent="0">
+              <a:buNone/>
+            </a:pPr>
+            <a:endParaRPr lang="en-US" sz="1600" dirty="0"/>
+          </a:p>
+          <a:p>
+            <a:pPr marL="0" indent="0">
+              <a:buFont typeface="Arial" panose="020B0604020202020204" pitchFamily="34" charset="0"/>
+              <a:buNone/>
+            </a:pPr>
+            <a:endParaRPr lang="en-US" sz="1600" dirty="0"/>
+          </a:p>
+        </p:txBody>
+      </p:sp>
+    </p:spTree>
+    <p:extLst>
+      <p:ext uri="{BB962C8B-B14F-4D97-AF65-F5344CB8AC3E}">
+        <p14:creationId xmlns:p14="http://schemas.microsoft.com/office/powerpoint/2010/main" val="3571040629"/>
+      </p:ext>
+    </p:extLst>
+  </p:cSld>
+  <p:clrMapOvr>
+    <a:masterClrMapping/>
+  </p:clrMapOvr>
+</p:sld>
+</file>
+
+<file path=ppt/slides/slide12.xml><?xml version="1.0" encoding="utf-8"?>
+<p:sld xmlns:a="http://schemas.openxmlformats.org/drawingml/2006/main" xmlns:r="http://schemas.openxmlformats.org/officeDocument/2006/relationships" xmlns:p="http://schemas.openxmlformats.org/presentationml/2006/main">
+  <p:cSld>
+    <p:spTree>
+      <p:nvGrpSpPr>
+        <p:cNvPr id="1" name=""/>
+        <p:cNvGrpSpPr/>
+        <p:nvPr/>
+      </p:nvGrpSpPr>
+      <p:grpSpPr>
+        <a:xfrm>
+          <a:off x="0" y="0"/>
+          <a:ext cx="0" cy="0"/>
+          <a:chOff x="0" y="0"/>
+          <a:chExt cx="0" cy="0"/>
+        </a:xfrm>
+      </p:grpSpPr>
+      <p:sp>
+        <p:nvSpPr>
+          <p:cNvPr id="2" name="Title 1">
+            <a:extLst>
+              <a:ext uri="{FF2B5EF4-FFF2-40B4-BE49-F238E27FC236}">
+                <a16:creationId xmlns:a16="http://schemas.microsoft.com/office/drawing/2014/main" id="{2199D4CF-3E5E-274D-BB33-E7C7FA863162}"/>
+              </a:ext>
+            </a:extLst>
+          </p:cNvPr>
+          <p:cNvSpPr>
+            <a:spLocks noGrp="1"/>
+          </p:cNvSpPr>
+          <p:nvPr>
+            <p:ph type="title"/>
+          </p:nvPr>
+        </p:nvSpPr>
+        <p:spPr/>
+        <p:txBody>
+          <a:bodyPr/>
+          <a:lstStyle/>
+          <a:p>
+            <a:r>
+              <a:rPr lang="en-US" dirty="0"/>
+              <a:t>Pulling when you have local work</a:t>
+            </a:r>
+          </a:p>
+        </p:txBody>
+      </p:sp>
+      <p:sp>
+        <p:nvSpPr>
+          <p:cNvPr id="4" name="Content Placeholder 2">
+            <a:extLst>
+              <a:ext uri="{FF2B5EF4-FFF2-40B4-BE49-F238E27FC236}">
+                <a16:creationId xmlns:a16="http://schemas.microsoft.com/office/drawing/2014/main" id="{4C996871-6798-2843-987B-E30FF3D2E905}"/>
+              </a:ext>
+            </a:extLst>
+          </p:cNvPr>
+          <p:cNvSpPr txBox="1">
+            <a:spLocks/>
+          </p:cNvSpPr>
+          <p:nvPr/>
+        </p:nvSpPr>
+        <p:spPr>
+          <a:xfrm>
+            <a:off x="628650" y="1014883"/>
+            <a:ext cx="4370640" cy="1181387"/>
+          </a:xfrm>
+          <a:prstGeom prst="rect">
+            <a:avLst/>
+          </a:prstGeom>
+        </p:spPr>
+        <p:txBody>
+          <a:bodyPr vert="horz" lIns="91440" tIns="45720" rIns="91440" bIns="45720" rtlCol="0">
+            <a:normAutofit/>
+          </a:bodyPr>
+          <a:lstStyle>
+            <a:lvl1pPr marL="171450" indent="-171450" algn="l" defTabSz="685800" rtl="0" eaLnBrk="1" latinLnBrk="0" hangingPunct="1">
+              <a:lnSpc>
+                <a:spcPct val="90000"/>
+              </a:lnSpc>
+              <a:spcBef>
+                <a:spcPts val="750"/>
+              </a:spcBef>
+              <a:buFont typeface="Arial" panose="020B0604020202020204" pitchFamily="34" charset="0"/>
+              <a:buChar char="•"/>
+              <a:defRPr sz="2100" kern="1200">
+                <a:solidFill>
+                  <a:schemeClr val="tx1"/>
+                </a:solidFill>
+                <a:latin typeface="Avenir Roman" panose="02000503020000020003" pitchFamily="2" charset="0"/>
+                <a:ea typeface="+mn-ea"/>
+                <a:cs typeface="+mn-cs"/>
+              </a:defRPr>
+            </a:lvl1pPr>
+            <a:lvl2pPr marL="514350" indent="-171450" algn="l" defTabSz="685800" rtl="0" eaLnBrk="1" latinLnBrk="0" hangingPunct="1">
+              <a:lnSpc>
+                <a:spcPct val="90000"/>
+              </a:lnSpc>
+              <a:spcBef>
+                <a:spcPts val="375"/>
+              </a:spcBef>
+              <a:buFont typeface="Arial" panose="020B0604020202020204" pitchFamily="34" charset="0"/>
+              <a:buChar char="•"/>
+              <a:defRPr sz="1800" kern="1200">
+                <a:solidFill>
+                  <a:schemeClr val="tx1"/>
+                </a:solidFill>
+                <a:latin typeface="Avenir Roman" panose="02000503020000020003" pitchFamily="2" charset="0"/>
+                <a:ea typeface="+mn-ea"/>
+                <a:cs typeface="+mn-cs"/>
+              </a:defRPr>
+            </a:lvl2pPr>
+            <a:lvl3pPr marL="857250" indent="-171450" algn="l" defTabSz="685800" rtl="0" eaLnBrk="1" latinLnBrk="0" hangingPunct="1">
+              <a:lnSpc>
+                <a:spcPct val="90000"/>
+              </a:lnSpc>
+              <a:spcBef>
+                <a:spcPts val="375"/>
+              </a:spcBef>
+              <a:buFont typeface="Arial" panose="020B0604020202020204" pitchFamily="34" charset="0"/>
+              <a:buChar char="•"/>
+              <a:defRPr sz="1500" kern="1200">
+                <a:solidFill>
+                  <a:schemeClr val="tx1"/>
+                </a:solidFill>
+                <a:latin typeface="Avenir Roman" panose="02000503020000020003" pitchFamily="2" charset="0"/>
+                <a:ea typeface="+mn-ea"/>
+                <a:cs typeface="+mn-cs"/>
+              </a:defRPr>
+            </a:lvl3pPr>
+            <a:lvl4pPr marL="1200150" indent="-171450" algn="l" defTabSz="685800" rtl="0" eaLnBrk="1" latinLnBrk="0" hangingPunct="1">
+              <a:lnSpc>
+                <a:spcPct val="90000"/>
+              </a:lnSpc>
+              <a:spcBef>
+                <a:spcPts val="375"/>
+              </a:spcBef>
+              <a:buFont typeface="Arial" panose="020B0604020202020204" pitchFamily="34" charset="0"/>
+              <a:buChar char="•"/>
+              <a:defRPr sz="1350" kern="1200">
+                <a:solidFill>
+                  <a:schemeClr val="tx1"/>
+                </a:solidFill>
+                <a:latin typeface="Avenir Roman" panose="02000503020000020003" pitchFamily="2" charset="0"/>
+                <a:ea typeface="+mn-ea"/>
+                <a:cs typeface="+mn-cs"/>
+              </a:defRPr>
+            </a:lvl4pPr>
+            <a:lvl5pPr marL="1543050" indent="-171450" algn="l" defTabSz="685800" rtl="0" eaLnBrk="1" latinLnBrk="0" hangingPunct="1">
+              <a:lnSpc>
+                <a:spcPct val="90000"/>
+              </a:lnSpc>
+              <a:spcBef>
+                <a:spcPts val="375"/>
+              </a:spcBef>
+              <a:buFont typeface="Arial" panose="020B0604020202020204" pitchFamily="34" charset="0"/>
+              <a:buChar char="•"/>
+              <a:defRPr sz="1350" kern="1200">
+                <a:solidFill>
+                  <a:schemeClr val="tx1"/>
+                </a:solidFill>
+                <a:latin typeface="Avenir Roman" panose="02000503020000020003" pitchFamily="2" charset="0"/>
+                <a:ea typeface="+mn-ea"/>
+                <a:cs typeface="+mn-cs"/>
+              </a:defRPr>
+            </a:lvl5pPr>
+            <a:lvl6pPr marL="1885950" indent="-171450" algn="l" defTabSz="685800" rtl="0" eaLnBrk="1" latinLnBrk="0" hangingPunct="1">
+              <a:lnSpc>
+                <a:spcPct val="90000"/>
+              </a:lnSpc>
+              <a:spcBef>
+                <a:spcPts val="375"/>
+              </a:spcBef>
+              <a:buFont typeface="Arial" panose="020B0604020202020204" pitchFamily="34" charset="0"/>
+              <a:buChar char="•"/>
+              <a:defRPr sz="1350" kern="1200">
+                <a:solidFill>
+                  <a:schemeClr val="tx1"/>
+                </a:solidFill>
+                <a:latin typeface="+mn-lt"/>
+                <a:ea typeface="+mn-ea"/>
+                <a:cs typeface="+mn-cs"/>
+              </a:defRPr>
+            </a:lvl6pPr>
+            <a:lvl7pPr marL="2228850" indent="-171450" algn="l" defTabSz="685800" rtl="0" eaLnBrk="1" latinLnBrk="0" hangingPunct="1">
+              <a:lnSpc>
+                <a:spcPct val="90000"/>
+              </a:lnSpc>
+              <a:spcBef>
+                <a:spcPts val="375"/>
+              </a:spcBef>
+              <a:buFont typeface="Arial" panose="020B0604020202020204" pitchFamily="34" charset="0"/>
+              <a:buChar char="•"/>
+              <a:defRPr sz="1350" kern="1200">
+                <a:solidFill>
+                  <a:schemeClr val="tx1"/>
+                </a:solidFill>
+                <a:latin typeface="+mn-lt"/>
+                <a:ea typeface="+mn-ea"/>
+                <a:cs typeface="+mn-cs"/>
+              </a:defRPr>
+            </a:lvl7pPr>
+            <a:lvl8pPr marL="2571750" indent="-171450" algn="l" defTabSz="685800" rtl="0" eaLnBrk="1" latinLnBrk="0" hangingPunct="1">
+              <a:lnSpc>
+                <a:spcPct val="90000"/>
+              </a:lnSpc>
+              <a:spcBef>
+                <a:spcPts val="375"/>
+              </a:spcBef>
+              <a:buFont typeface="Arial" panose="020B0604020202020204" pitchFamily="34" charset="0"/>
+              <a:buChar char="•"/>
+              <a:defRPr sz="1350" kern="1200">
+                <a:solidFill>
+                  <a:schemeClr val="tx1"/>
+                </a:solidFill>
+                <a:latin typeface="+mn-lt"/>
+                <a:ea typeface="+mn-ea"/>
+                <a:cs typeface="+mn-cs"/>
+              </a:defRPr>
+            </a:lvl8pPr>
+            <a:lvl9pPr marL="2914650" indent="-171450" algn="l" defTabSz="685800" rtl="0" eaLnBrk="1" latinLnBrk="0" hangingPunct="1">
+              <a:lnSpc>
+                <a:spcPct val="90000"/>
+              </a:lnSpc>
+              <a:spcBef>
+                <a:spcPts val="375"/>
+              </a:spcBef>
+              <a:buFont typeface="Arial" panose="020B0604020202020204" pitchFamily="34" charset="0"/>
+              <a:buChar char="•"/>
+              <a:defRPr sz="1350" kern="1200">
+                <a:solidFill>
+                  <a:schemeClr val="tx1"/>
+                </a:solidFill>
+                <a:latin typeface="+mn-lt"/>
+                <a:ea typeface="+mn-ea"/>
+                <a:cs typeface="+mn-cs"/>
+              </a:defRPr>
+            </a:lvl9pPr>
+          </a:lstStyle>
+          <a:p>
+            <a:endParaRPr lang="en-US" sz="1600" dirty="0"/>
+          </a:p>
+          <a:p>
+            <a:pPr marL="0" indent="0">
+              <a:buFont typeface="Arial" panose="020B0604020202020204" pitchFamily="34" charset="0"/>
+              <a:buNone/>
+            </a:pPr>
+            <a:r>
+              <a:rPr lang="en-US" sz="1600" dirty="0"/>
+              <a:t>State of the repo on GitHub:</a:t>
+            </a:r>
+          </a:p>
+          <a:p>
+            <a:pPr marL="0" indent="0">
+              <a:buFont typeface="Arial" panose="020B0604020202020204" pitchFamily="34" charset="0"/>
+              <a:buNone/>
+            </a:pPr>
+            <a:r>
+              <a:rPr lang="en-US" sz="1600" dirty="0"/>
+              <a:t>A – B – C</a:t>
+            </a:r>
+          </a:p>
+          <a:p>
+            <a:pPr marL="0" indent="0">
+              <a:buFont typeface="Arial" panose="020B0604020202020204" pitchFamily="34" charset="0"/>
+              <a:buNone/>
+            </a:pPr>
+            <a:endParaRPr lang="en-US" sz="1600" dirty="0"/>
+          </a:p>
+          <a:p>
+            <a:pPr marL="0" indent="0">
+              <a:buFont typeface="Arial" panose="020B0604020202020204" pitchFamily="34" charset="0"/>
+              <a:buNone/>
+            </a:pPr>
+            <a:endParaRPr lang="en-US" sz="1600" dirty="0"/>
+          </a:p>
+        </p:txBody>
+      </p:sp>
+      <p:sp>
+        <p:nvSpPr>
+          <p:cNvPr id="6" name="TextBox 5">
+            <a:extLst>
+              <a:ext uri="{FF2B5EF4-FFF2-40B4-BE49-F238E27FC236}">
+                <a16:creationId xmlns:a16="http://schemas.microsoft.com/office/drawing/2014/main" id="{5166DEC6-9E43-D346-BB05-F1B7ABBABC83}"/>
+              </a:ext>
+            </a:extLst>
+          </p:cNvPr>
+          <p:cNvSpPr txBox="1"/>
+          <p:nvPr/>
+        </p:nvSpPr>
+        <p:spPr>
+          <a:xfrm>
+            <a:off x="628650" y="2862842"/>
+            <a:ext cx="7886700" cy="1815882"/>
+          </a:xfrm>
+          <a:prstGeom prst="rect">
+            <a:avLst/>
+          </a:prstGeom>
+          <a:noFill/>
+        </p:spPr>
+        <p:txBody>
+          <a:bodyPr wrap="square" rtlCol="0">
+            <a:spAutoFit/>
+          </a:bodyPr>
+          <a:lstStyle/>
+          <a:p>
+            <a:r>
+              <a:rPr lang="en-US" sz="1600" dirty="0">
+                <a:latin typeface="Avenir Roman" panose="02000503020000020003" pitchFamily="2" charset="0"/>
+              </a:rPr>
+              <a:t>When you have made changes to the same part of a file, you will need to resolve the merge conflict locally before you can push</a:t>
+            </a:r>
+          </a:p>
+          <a:p>
+            <a:endParaRPr lang="en-US" sz="1600" dirty="0">
+              <a:latin typeface="Avenir Roman" panose="02000503020000020003" pitchFamily="2" charset="0"/>
+            </a:endParaRPr>
+          </a:p>
+          <a:p>
+            <a:r>
+              <a:rPr lang="en-US" sz="1600" dirty="0">
+                <a:latin typeface="Avenir Roman" panose="02000503020000020003" pitchFamily="2" charset="0"/>
+              </a:rPr>
+              <a:t>Remote: A--B--C Local before: 	A--B--D </a:t>
+            </a:r>
+          </a:p>
+          <a:p>
+            <a:endParaRPr lang="en-US" sz="1600" dirty="0">
+              <a:latin typeface="Avenir Roman" panose="02000503020000020003" pitchFamily="2" charset="0"/>
+            </a:endParaRPr>
+          </a:p>
+          <a:p>
+            <a:r>
+              <a:rPr lang="en-US" sz="1600" dirty="0">
+                <a:latin typeface="Avenir Roman" panose="02000503020000020003" pitchFamily="2" charset="0"/>
+              </a:rPr>
+              <a:t>Local after: 			A--B--D--(merge commit) </a:t>
+            </a:r>
+            <a:br>
+              <a:rPr lang="en-US" sz="1600" dirty="0">
+                <a:latin typeface="Avenir Roman" panose="02000503020000020003" pitchFamily="2" charset="0"/>
+              </a:rPr>
+            </a:br>
+            <a:r>
+              <a:rPr lang="en-US" sz="1600" dirty="0">
+                <a:latin typeface="Avenir Roman" panose="02000503020000020003" pitchFamily="2" charset="0"/>
+              </a:rPr>
+              <a:t>				       \_C_/</a:t>
+            </a:r>
+          </a:p>
+        </p:txBody>
+      </p:sp>
+      <p:sp>
+        <p:nvSpPr>
+          <p:cNvPr id="7" name="Content Placeholder 2">
+            <a:extLst>
+              <a:ext uri="{FF2B5EF4-FFF2-40B4-BE49-F238E27FC236}">
+                <a16:creationId xmlns:a16="http://schemas.microsoft.com/office/drawing/2014/main" id="{D413CB60-3B6F-F442-93D1-A7808AFDD8E0}"/>
+              </a:ext>
+            </a:extLst>
+          </p:cNvPr>
+          <p:cNvSpPr txBox="1">
+            <a:spLocks/>
+          </p:cNvSpPr>
+          <p:nvPr/>
+        </p:nvSpPr>
+        <p:spPr>
+          <a:xfrm>
+            <a:off x="4289988" y="1010610"/>
+            <a:ext cx="4370640" cy="1181387"/>
+          </a:xfrm>
+          <a:prstGeom prst="rect">
+            <a:avLst/>
+          </a:prstGeom>
+        </p:spPr>
+        <p:txBody>
+          <a:bodyPr vert="horz" lIns="91440" tIns="45720" rIns="91440" bIns="45720" rtlCol="0">
+            <a:noAutofit/>
+          </a:bodyPr>
+          <a:lstStyle>
+            <a:lvl1pPr marL="171450" indent="-171450" algn="l" defTabSz="685800" rtl="0" eaLnBrk="1" latinLnBrk="0" hangingPunct="1">
+              <a:lnSpc>
+                <a:spcPct val="90000"/>
+              </a:lnSpc>
+              <a:spcBef>
+                <a:spcPts val="750"/>
+              </a:spcBef>
+              <a:buFont typeface="Arial" panose="020B0604020202020204" pitchFamily="34" charset="0"/>
+              <a:buChar char="•"/>
+              <a:defRPr sz="2100" kern="1200">
+                <a:solidFill>
+                  <a:schemeClr val="tx1"/>
+                </a:solidFill>
+                <a:latin typeface="Avenir Roman" panose="02000503020000020003" pitchFamily="2" charset="0"/>
+                <a:ea typeface="+mn-ea"/>
+                <a:cs typeface="+mn-cs"/>
+              </a:defRPr>
+            </a:lvl1pPr>
+            <a:lvl2pPr marL="514350" indent="-171450" algn="l" defTabSz="685800" rtl="0" eaLnBrk="1" latinLnBrk="0" hangingPunct="1">
+              <a:lnSpc>
+                <a:spcPct val="90000"/>
+              </a:lnSpc>
+              <a:spcBef>
+                <a:spcPts val="375"/>
+              </a:spcBef>
+              <a:buFont typeface="Arial" panose="020B0604020202020204" pitchFamily="34" charset="0"/>
+              <a:buChar char="•"/>
+              <a:defRPr sz="1800" kern="1200">
+                <a:solidFill>
+                  <a:schemeClr val="tx1"/>
+                </a:solidFill>
+                <a:latin typeface="Avenir Roman" panose="02000503020000020003" pitchFamily="2" charset="0"/>
+                <a:ea typeface="+mn-ea"/>
+                <a:cs typeface="+mn-cs"/>
+              </a:defRPr>
+            </a:lvl2pPr>
+            <a:lvl3pPr marL="857250" indent="-171450" algn="l" defTabSz="685800" rtl="0" eaLnBrk="1" latinLnBrk="0" hangingPunct="1">
+              <a:lnSpc>
+                <a:spcPct val="90000"/>
+              </a:lnSpc>
+              <a:spcBef>
+                <a:spcPts val="375"/>
+              </a:spcBef>
+              <a:buFont typeface="Arial" panose="020B0604020202020204" pitchFamily="34" charset="0"/>
+              <a:buChar char="•"/>
+              <a:defRPr sz="1500" kern="1200">
+                <a:solidFill>
+                  <a:schemeClr val="tx1"/>
+                </a:solidFill>
+                <a:latin typeface="Avenir Roman" panose="02000503020000020003" pitchFamily="2" charset="0"/>
+                <a:ea typeface="+mn-ea"/>
+                <a:cs typeface="+mn-cs"/>
+              </a:defRPr>
+            </a:lvl3pPr>
+            <a:lvl4pPr marL="1200150" indent="-171450" algn="l" defTabSz="685800" rtl="0" eaLnBrk="1" latinLnBrk="0" hangingPunct="1">
+              <a:lnSpc>
+                <a:spcPct val="90000"/>
+              </a:lnSpc>
+              <a:spcBef>
+                <a:spcPts val="375"/>
+              </a:spcBef>
+              <a:buFont typeface="Arial" panose="020B0604020202020204" pitchFamily="34" charset="0"/>
+              <a:buChar char="•"/>
+              <a:defRPr sz="1350" kern="1200">
+                <a:solidFill>
+                  <a:schemeClr val="tx1"/>
+                </a:solidFill>
+                <a:latin typeface="Avenir Roman" panose="02000503020000020003" pitchFamily="2" charset="0"/>
+                <a:ea typeface="+mn-ea"/>
+                <a:cs typeface="+mn-cs"/>
+              </a:defRPr>
+            </a:lvl4pPr>
+            <a:lvl5pPr marL="1543050" indent="-171450" algn="l" defTabSz="685800" rtl="0" eaLnBrk="1" latinLnBrk="0" hangingPunct="1">
+              <a:lnSpc>
+                <a:spcPct val="90000"/>
+              </a:lnSpc>
+              <a:spcBef>
+                <a:spcPts val="375"/>
+              </a:spcBef>
+              <a:buFont typeface="Arial" panose="020B0604020202020204" pitchFamily="34" charset="0"/>
+              <a:buChar char="•"/>
+              <a:defRPr sz="1350" kern="1200">
+                <a:solidFill>
+                  <a:schemeClr val="tx1"/>
+                </a:solidFill>
+                <a:latin typeface="Avenir Roman" panose="02000503020000020003" pitchFamily="2" charset="0"/>
+                <a:ea typeface="+mn-ea"/>
+                <a:cs typeface="+mn-cs"/>
+              </a:defRPr>
+            </a:lvl5pPr>
+            <a:lvl6pPr marL="1885950" indent="-171450" algn="l" defTabSz="685800" rtl="0" eaLnBrk="1" latinLnBrk="0" hangingPunct="1">
+              <a:lnSpc>
+                <a:spcPct val="90000"/>
+              </a:lnSpc>
+              <a:spcBef>
+                <a:spcPts val="375"/>
+              </a:spcBef>
+              <a:buFont typeface="Arial" panose="020B0604020202020204" pitchFamily="34" charset="0"/>
+              <a:buChar char="•"/>
+              <a:defRPr sz="1350" kern="1200">
+                <a:solidFill>
+                  <a:schemeClr val="tx1"/>
+                </a:solidFill>
+                <a:latin typeface="+mn-lt"/>
+                <a:ea typeface="+mn-ea"/>
+                <a:cs typeface="+mn-cs"/>
+              </a:defRPr>
+            </a:lvl6pPr>
+            <a:lvl7pPr marL="2228850" indent="-171450" algn="l" defTabSz="685800" rtl="0" eaLnBrk="1" latinLnBrk="0" hangingPunct="1">
+              <a:lnSpc>
+                <a:spcPct val="90000"/>
+              </a:lnSpc>
+              <a:spcBef>
+                <a:spcPts val="375"/>
+              </a:spcBef>
+              <a:buFont typeface="Arial" panose="020B0604020202020204" pitchFamily="34" charset="0"/>
+              <a:buChar char="•"/>
+              <a:defRPr sz="1350" kern="1200">
+                <a:solidFill>
+                  <a:schemeClr val="tx1"/>
+                </a:solidFill>
+                <a:latin typeface="+mn-lt"/>
+                <a:ea typeface="+mn-ea"/>
+                <a:cs typeface="+mn-cs"/>
+              </a:defRPr>
+            </a:lvl7pPr>
+            <a:lvl8pPr marL="2571750" indent="-171450" algn="l" defTabSz="685800" rtl="0" eaLnBrk="1" latinLnBrk="0" hangingPunct="1">
+              <a:lnSpc>
+                <a:spcPct val="90000"/>
+              </a:lnSpc>
+              <a:spcBef>
+                <a:spcPts val="375"/>
+              </a:spcBef>
+              <a:buFont typeface="Arial" panose="020B0604020202020204" pitchFamily="34" charset="0"/>
+              <a:buChar char="•"/>
+              <a:defRPr sz="1350" kern="1200">
+                <a:solidFill>
+                  <a:schemeClr val="tx1"/>
+                </a:solidFill>
+                <a:latin typeface="+mn-lt"/>
+                <a:ea typeface="+mn-ea"/>
+                <a:cs typeface="+mn-cs"/>
+              </a:defRPr>
+            </a:lvl8pPr>
+            <a:lvl9pPr marL="2914650" indent="-171450" algn="l" defTabSz="685800" rtl="0" eaLnBrk="1" latinLnBrk="0" hangingPunct="1">
+              <a:lnSpc>
+                <a:spcPct val="90000"/>
+              </a:lnSpc>
+              <a:spcBef>
+                <a:spcPts val="375"/>
+              </a:spcBef>
+              <a:buFont typeface="Arial" panose="020B0604020202020204" pitchFamily="34" charset="0"/>
+              <a:buChar char="•"/>
+              <a:defRPr sz="1350" kern="1200">
+                <a:solidFill>
+                  <a:schemeClr val="tx1"/>
+                </a:solidFill>
+                <a:latin typeface="+mn-lt"/>
+                <a:ea typeface="+mn-ea"/>
+                <a:cs typeface="+mn-cs"/>
+              </a:defRPr>
+            </a:lvl9pPr>
+          </a:lstStyle>
+          <a:p>
+            <a:endParaRPr lang="en-US" sz="1600" dirty="0"/>
+          </a:p>
+          <a:p>
+            <a:pPr marL="0" indent="0">
+              <a:buNone/>
+            </a:pPr>
+            <a:r>
+              <a:rPr lang="en-US" sz="1600" dirty="0"/>
+              <a:t>State of your local repo:</a:t>
+            </a:r>
+          </a:p>
+          <a:p>
+            <a:pPr marL="0" indent="0">
+              <a:buNone/>
+            </a:pPr>
+            <a:r>
+              <a:rPr lang="en-US" sz="1600" dirty="0"/>
+              <a:t>A – B – D        OR</a:t>
+            </a:r>
+          </a:p>
+          <a:p>
+            <a:pPr marL="0" indent="0">
+              <a:buNone/>
+            </a:pPr>
+            <a:r>
+              <a:rPr lang="en-US" sz="1600" dirty="0"/>
+              <a:t>A – B – (uncommitted changes)</a:t>
+            </a:r>
+          </a:p>
+          <a:p>
+            <a:pPr marL="0" indent="0">
+              <a:buNone/>
+            </a:pPr>
+            <a:endParaRPr lang="en-US" sz="1600" dirty="0"/>
+          </a:p>
+          <a:p>
+            <a:pPr marL="0" indent="0">
+              <a:buFont typeface="Arial" panose="020B0604020202020204" pitchFamily="34" charset="0"/>
+              <a:buNone/>
+            </a:pPr>
+            <a:endParaRPr lang="en-US" sz="1600" dirty="0"/>
+          </a:p>
+        </p:txBody>
+      </p:sp>
+    </p:spTree>
+    <p:extLst>
+      <p:ext uri="{BB962C8B-B14F-4D97-AF65-F5344CB8AC3E}">
+        <p14:creationId xmlns:p14="http://schemas.microsoft.com/office/powerpoint/2010/main" val="621838740"/>
+      </p:ext>
+    </p:extLst>
+  </p:cSld>
+  <p:clrMapOvr>
+    <a:masterClrMapping/>
+  </p:clrMapOvr>
+</p:sld>
+</file>
+
+<file path=ppt/slides/slide13.xml><?xml version="1.0" encoding="utf-8"?>
+<p:sld xmlns:a="http://schemas.openxmlformats.org/drawingml/2006/main" xmlns:r="http://schemas.openxmlformats.org/officeDocument/2006/relationships" xmlns:p="http://schemas.openxmlformats.org/presentationml/2006/main">
+  <p:cSld>
+    <p:spTree>
+      <p:nvGrpSpPr>
+        <p:cNvPr id="1" name=""/>
+        <p:cNvGrpSpPr/>
+        <p:nvPr/>
+      </p:nvGrpSpPr>
+      <p:grpSpPr>
+        <a:xfrm>
+          <a:off x="0" y="0"/>
+          <a:ext cx="0" cy="0"/>
+          <a:chOff x="0" y="0"/>
+          <a:chExt cx="0" cy="0"/>
+        </a:xfrm>
+      </p:grpSpPr>
+      <p:sp>
+        <p:nvSpPr>
+          <p:cNvPr id="2" name="Title 1">
+            <a:extLst>
+              <a:ext uri="{FF2B5EF4-FFF2-40B4-BE49-F238E27FC236}">
+                <a16:creationId xmlns:a16="http://schemas.microsoft.com/office/drawing/2014/main" id="{C33B578E-2FA1-0C41-ABA6-DEC8440E5B54}"/>
+              </a:ext>
+            </a:extLst>
+          </p:cNvPr>
+          <p:cNvSpPr>
+            <a:spLocks noGrp="1"/>
+          </p:cNvSpPr>
+          <p:nvPr>
+            <p:ph type="title"/>
+          </p:nvPr>
+        </p:nvSpPr>
+        <p:spPr/>
+        <p:txBody>
+          <a:bodyPr/>
+          <a:lstStyle/>
+          <a:p>
+            <a:r>
+              <a:rPr lang="en-US"/>
+              <a:t>GitHub Pages</a:t>
+            </a:r>
+          </a:p>
+        </p:txBody>
+      </p:sp>
+      <p:sp>
+        <p:nvSpPr>
+          <p:cNvPr id="3" name="Content Placeholder 2">
+            <a:extLst>
+              <a:ext uri="{FF2B5EF4-FFF2-40B4-BE49-F238E27FC236}">
+                <a16:creationId xmlns:a16="http://schemas.microsoft.com/office/drawing/2014/main" id="{794D5EA9-C45B-8E44-BB63-1541DB3AC97B}"/>
+              </a:ext>
+            </a:extLst>
+          </p:cNvPr>
+          <p:cNvSpPr>
+            <a:spLocks noGrp="1"/>
+          </p:cNvSpPr>
+          <p:nvPr>
+            <p:ph idx="1"/>
+          </p:nvPr>
+        </p:nvSpPr>
+        <p:spPr/>
+        <p:txBody>
+          <a:bodyPr/>
+          <a:lstStyle/>
+          <a:p>
+            <a:endParaRPr lang="en-US"/>
+          </a:p>
+        </p:txBody>
+      </p:sp>
+    </p:spTree>
+    <p:extLst>
+      <p:ext uri="{BB962C8B-B14F-4D97-AF65-F5344CB8AC3E}">
+        <p14:creationId xmlns:p14="http://schemas.microsoft.com/office/powerpoint/2010/main" val="2838920740"/>
+      </p:ext>
+    </p:extLst>
+  </p:cSld>
+  <p:clrMapOvr>
+    <a:masterClrMapping/>
+  </p:clrMapOvr>
+</p:sld>
+</file>
+
+<file path=ppt/slides/slide14.xml><?xml version="1.0" encoding="utf-8"?>
+<p:sld xmlns:a="http://schemas.openxmlformats.org/drawingml/2006/main" xmlns:r="http://schemas.openxmlformats.org/officeDocument/2006/relationships" xmlns:p="http://schemas.openxmlformats.org/presentationml/2006/main">
+  <p:cSld>
+    <p:spTree>
+      <p:nvGrpSpPr>
+        <p:cNvPr id="1" name=""/>
+        <p:cNvGrpSpPr/>
+        <p:nvPr/>
+      </p:nvGrpSpPr>
+      <p:grpSpPr>
+        <a:xfrm>
+          <a:off x="0" y="0"/>
+          <a:ext cx="0" cy="0"/>
+          <a:chOff x="0" y="0"/>
+          <a:chExt cx="0" cy="0"/>
+        </a:xfrm>
+      </p:grpSpPr>
+      <p:sp>
+        <p:nvSpPr>
+          <p:cNvPr id="2" name="Title 1">
+            <a:extLst>
+              <a:ext uri="{FF2B5EF4-FFF2-40B4-BE49-F238E27FC236}">
+                <a16:creationId xmlns:a16="http://schemas.microsoft.com/office/drawing/2014/main" id="{7C636EEF-A7E1-CF43-ADBC-0347C5C26334}"/>
+              </a:ext>
+            </a:extLst>
+          </p:cNvPr>
+          <p:cNvSpPr>
+            <a:spLocks noGrp="1"/>
+          </p:cNvSpPr>
+          <p:nvPr>
+            <p:ph type="title"/>
+          </p:nvPr>
+        </p:nvSpPr>
+        <p:spPr/>
+        <p:txBody>
+          <a:bodyPr>
+            <a:normAutofit/>
+          </a:bodyPr>
+          <a:lstStyle/>
+          <a:p>
+            <a:r>
+              <a:rPr lang="en-US" dirty="0"/>
+              <a:t>Examples of cool GitHub pages websites</a:t>
+            </a:r>
+          </a:p>
+        </p:txBody>
+      </p:sp>
+      <p:sp>
+        <p:nvSpPr>
+          <p:cNvPr id="3" name="Content Placeholder 2">
+            <a:extLst>
+              <a:ext uri="{FF2B5EF4-FFF2-40B4-BE49-F238E27FC236}">
+                <a16:creationId xmlns:a16="http://schemas.microsoft.com/office/drawing/2014/main" id="{3CA8BDF2-C7C5-5B41-967B-12BBA6D48320}"/>
+              </a:ext>
+            </a:extLst>
+          </p:cNvPr>
+          <p:cNvSpPr>
+            <a:spLocks noGrp="1"/>
+          </p:cNvSpPr>
+          <p:nvPr>
+            <p:ph idx="1"/>
+          </p:nvPr>
+        </p:nvSpPr>
+        <p:spPr/>
+        <p:txBody>
+          <a:bodyPr/>
+          <a:lstStyle/>
+          <a:p>
+            <a:r>
+              <a:rPr lang="en-US" dirty="0"/>
+              <a:t>We’re starting simple, but GitHub Pages has functionality to make complex and compelling websites. A few examples</a:t>
+            </a:r>
+          </a:p>
+          <a:p>
+            <a:endParaRPr lang="en-US" dirty="0"/>
+          </a:p>
+          <a:p>
+            <a:pPr lvl="1"/>
+            <a:r>
+              <a:rPr lang="en-US" dirty="0"/>
+              <a:t>https://</a:t>
+            </a:r>
+            <a:r>
+              <a:rPr lang="en-US" dirty="0" err="1"/>
+              <a:t>twitter.github.io</a:t>
+            </a:r>
+            <a:r>
+              <a:rPr lang="en-US" dirty="0"/>
+              <a:t>/</a:t>
+            </a:r>
+          </a:p>
+          <a:p>
+            <a:pPr lvl="1"/>
+            <a:r>
+              <a:rPr lang="en-US" dirty="0"/>
+              <a:t>https://</a:t>
+            </a:r>
+            <a:r>
+              <a:rPr lang="en-US" dirty="0" err="1"/>
+              <a:t>justanother-timetraveller.github.io</a:t>
+            </a:r>
+            <a:r>
+              <a:rPr lang="en-US" dirty="0"/>
+              <a:t>/</a:t>
+            </a:r>
+          </a:p>
+          <a:p>
+            <a:endParaRPr lang="en-US" dirty="0"/>
+          </a:p>
+        </p:txBody>
+      </p:sp>
+    </p:spTree>
+    <p:extLst>
+      <p:ext uri="{BB962C8B-B14F-4D97-AF65-F5344CB8AC3E}">
+        <p14:creationId xmlns:p14="http://schemas.microsoft.com/office/powerpoint/2010/main" val="4275698581"/>
+      </p:ext>
+    </p:extLst>
+  </p:cSld>
+  <p:clrMapOvr>
+    <a:masterClrMapping/>
+  </p:clrMapOvr>
+</p:sld>
+</file>
+
 <file path=ppt/slides/slide2.xml><?xml version="1.0" encoding="utf-8"?>
 <p:sld xmlns:a="http://schemas.openxmlformats.org/drawingml/2006/main" xmlns:r="http://schemas.openxmlformats.org/officeDocument/2006/relationships" xmlns:p="http://schemas.openxmlformats.org/presentationml/2006/main">
   <p:cSld>
@@ -3376,7 +5386,7 @@
           <p:cNvPr id="2" name="Title 1">
             <a:extLst>
               <a:ext uri="{FF2B5EF4-FFF2-40B4-BE49-F238E27FC236}">
-                <a16:creationId xmlns:a16="http://schemas.microsoft.com/office/drawing/2014/main" id="{3449EF9A-14D6-7241-9F06-CD46BB9943D2}"/>
+                <a16:creationId xmlns:a16="http://schemas.microsoft.com/office/drawing/2014/main" id="{A3A363FA-9F91-C84E-A532-22EC4AAFE474}"/>
               </a:ext>
             </a:extLst>
           </p:cNvPr>
@@ -3389,14 +5399,12 @@
         </p:nvSpPr>
         <p:spPr/>
         <p:txBody>
-          <a:bodyPr>
-            <a:normAutofit fontScale="90000"/>
-          </a:bodyPr>
+          <a:bodyPr/>
           <a:lstStyle/>
           <a:p>
             <a:r>
               <a:rPr lang="en-US" dirty="0"/>
-              <a:t>Breakout 3: Create and resolve merge conflicts </a:t>
+              <a:t>Working together on a repo</a:t>
             </a:r>
           </a:p>
         </p:txBody>
@@ -3406,7 +5414,7 @@
           <p:cNvPr id="3" name="Content Placeholder 2">
             <a:extLst>
               <a:ext uri="{FF2B5EF4-FFF2-40B4-BE49-F238E27FC236}">
-                <a16:creationId xmlns:a16="http://schemas.microsoft.com/office/drawing/2014/main" id="{D0D31021-CB21-434D-8935-C021E1200871}"/>
+                <a16:creationId xmlns:a16="http://schemas.microsoft.com/office/drawing/2014/main" id="{A849C12C-A036-024A-802E-8CDDC2D6F0D7}"/>
               </a:ext>
             </a:extLst>
           </p:cNvPr>
@@ -3422,21 +5430,28 @@
           <a:bodyPr/>
           <a:lstStyle/>
           <a:p>
+            <a:pPr marL="0" indent="0">
+              <a:buNone/>
+            </a:pPr>
+            <a:r>
+              <a:rPr lang="en-US" dirty="0"/>
+              <a:t>Adapted from Jenny Bryan’s </a:t>
+            </a:r>
+            <a:r>
+              <a:rPr lang="en-US" dirty="0" err="1"/>
+              <a:t>HappyGitwithR</a:t>
+            </a:r>
             <a:endParaRPr lang="en-US" dirty="0"/>
           </a:p>
           <a:p>
-            <a:r>
-              <a:rPr lang="en-US" dirty="0"/>
-              <a:t>Work through sections 9.8 – 9.9 here:</a:t>
-            </a:r>
-            <a:br>
-              <a:rPr lang="en-US" dirty="0"/>
-            </a:br>
+            <a:pPr marL="0" indent="0">
+              <a:buNone/>
+            </a:pPr>
             <a:r>
               <a:rPr lang="en-US" dirty="0">
                 <a:hlinkClick r:id="rId2"/>
               </a:rPr>
-              <a:t>http://ohi-science.org/data-science-training/collaborating.html</a:t>
+              <a:t>https://happygitwithr.com/</a:t>
             </a:r>
             <a:endParaRPr lang="en-US" dirty="0"/>
           </a:p>
@@ -3445,7 +5460,7 @@
     </p:spTree>
     <p:extLst>
       <p:ext uri="{BB962C8B-B14F-4D97-AF65-F5344CB8AC3E}">
-        <p14:creationId xmlns:p14="http://schemas.microsoft.com/office/powerpoint/2010/main" val="124191167"/>
+        <p14:creationId xmlns:p14="http://schemas.microsoft.com/office/powerpoint/2010/main" val="2231759400"/>
       </p:ext>
     </p:extLst>
   </p:cSld>
@@ -3477,7 +5492,7 @@
           <p:cNvPr id="2" name="Title 1">
             <a:extLst>
               <a:ext uri="{FF2B5EF4-FFF2-40B4-BE49-F238E27FC236}">
-                <a16:creationId xmlns:a16="http://schemas.microsoft.com/office/drawing/2014/main" id="{E8D17273-84BB-2D41-AAFD-43549A57EF13}"/>
+                <a16:creationId xmlns:a16="http://schemas.microsoft.com/office/drawing/2014/main" id="{E1F498D1-52E8-4546-999D-2C427F00EC92}"/>
               </a:ext>
             </a:extLst>
           </p:cNvPr>
@@ -3490,54 +5505,118 @@
         </p:nvSpPr>
         <p:spPr/>
         <p:txBody>
-          <a:bodyPr>
-            <a:normAutofit fontScale="90000"/>
-          </a:bodyPr>
+          <a:bodyPr/>
           <a:lstStyle/>
           <a:p>
             <a:r>
               <a:rPr lang="en-US" dirty="0"/>
-              <a:t>Breakout 4: Set up your collaborative website</a:t>
-            </a:r>
-          </a:p>
-        </p:txBody>
-      </p:sp>
-      <p:sp>
-        <p:nvSpPr>
-          <p:cNvPr id="3" name="Content Placeholder 2">
+              <a:t>Dealing with push rejection</a:t>
+            </a:r>
+          </a:p>
+        </p:txBody>
+      </p:sp>
+      <p:pic>
+        <p:nvPicPr>
+          <p:cNvPr id="5" name="Picture 4">
             <a:extLst>
               <a:ext uri="{FF2B5EF4-FFF2-40B4-BE49-F238E27FC236}">
-                <a16:creationId xmlns:a16="http://schemas.microsoft.com/office/drawing/2014/main" id="{27E7612B-1465-524F-924D-86E2A3ED08D5}"/>
+                <a16:creationId xmlns:a16="http://schemas.microsoft.com/office/drawing/2014/main" id="{3F5112AD-0BD1-A340-B306-02F79FB1ECB8}"/>
               </a:ext>
             </a:extLst>
           </p:cNvPr>
-          <p:cNvSpPr>
-            <a:spLocks noGrp="1"/>
-          </p:cNvSpPr>
-          <p:nvPr>
-            <p:ph idx="1"/>
-          </p:nvPr>
-        </p:nvSpPr>
-        <p:spPr/>
-        <p:txBody>
-          <a:bodyPr/>
+          <p:cNvPicPr>
+            <a:picLocks noChangeAspect="1"/>
+          </p:cNvPicPr>
+          <p:nvPr/>
+        </p:nvPicPr>
+        <p:blipFill>
+          <a:blip r:embed="rId2"/>
+          <a:stretch>
+            <a:fillRect/>
+          </a:stretch>
+        </p:blipFill>
+        <p:spPr>
+          <a:xfrm>
+            <a:off x="628650" y="1727675"/>
+            <a:ext cx="6447268" cy="2249436"/>
+          </a:xfrm>
+          <a:prstGeom prst="rect">
+            <a:avLst/>
+          </a:prstGeom>
+        </p:spPr>
+      </p:pic>
+      <p:sp>
+        <p:nvSpPr>
+          <p:cNvPr id="6" name="TextBox 5">
+            <a:extLst>
+              <a:ext uri="{FF2B5EF4-FFF2-40B4-BE49-F238E27FC236}">
+                <a16:creationId xmlns:a16="http://schemas.microsoft.com/office/drawing/2014/main" id="{E885B234-D8B7-1140-9FDF-05FBE6273436}"/>
+              </a:ext>
+            </a:extLst>
+          </p:cNvPr>
+          <p:cNvSpPr txBox="1"/>
+          <p:nvPr/>
+        </p:nvSpPr>
+        <p:spPr>
+          <a:xfrm>
+            <a:off x="628650" y="1250287"/>
+            <a:ext cx="5488297" cy="369332"/>
+          </a:xfrm>
+          <a:prstGeom prst="rect">
+            <a:avLst/>
+          </a:prstGeom>
+          <a:noFill/>
+        </p:spPr>
+        <p:txBody>
+          <a:bodyPr wrap="none" rtlCol="0">
+            <a:spAutoFit/>
+          </a:bodyPr>
           <a:lstStyle/>
           <a:p>
-            <a:endParaRPr lang="en-US" dirty="0"/>
-          </a:p>
-          <a:p>
-            <a:r>
-              <a:rPr lang="en-US" dirty="0"/>
-              <a:t>Work through sections 9.11 – 9.12 here:</a:t>
-            </a:r>
-            <a:br>
-              <a:rPr lang="en-US" dirty="0"/>
-            </a:br>
             <a:r>
               <a:rPr lang="en-US" dirty="0">
-                <a:hlinkClick r:id="rId2"/>
+                <a:latin typeface="Avenir Roman" panose="02000503020000020003" pitchFamily="2" charset="0"/>
               </a:rPr>
-              <a:t>http://ohi-science.org/data-science-training/collaborating.html</a:t>
+              <a:t>You want to push changes, but you are not allowed</a:t>
+            </a:r>
+          </a:p>
+        </p:txBody>
+      </p:sp>
+      <p:sp>
+        <p:nvSpPr>
+          <p:cNvPr id="7" name="Rectangle 6">
+            <a:extLst>
+              <a:ext uri="{FF2B5EF4-FFF2-40B4-BE49-F238E27FC236}">
+                <a16:creationId xmlns:a16="http://schemas.microsoft.com/office/drawing/2014/main" id="{A187B477-6A79-1B46-A2FF-DD163F892287}"/>
+              </a:ext>
+            </a:extLst>
+          </p:cNvPr>
+          <p:cNvSpPr/>
+          <p:nvPr/>
+        </p:nvSpPr>
+        <p:spPr>
+          <a:xfrm>
+            <a:off x="628650" y="4085167"/>
+            <a:ext cx="6755450" cy="646331"/>
+          </a:xfrm>
+          <a:prstGeom prst="rect">
+            <a:avLst/>
+          </a:prstGeom>
+        </p:spPr>
+        <p:txBody>
+          <a:bodyPr wrap="square">
+            <a:spAutoFit/>
+          </a:bodyPr>
+          <a:lstStyle/>
+          <a:p>
+            <a:r>
+              <a:rPr lang="en-US" dirty="0">
+                <a:solidFill>
+                  <a:srgbClr val="333333"/>
+                </a:solidFill>
+                <a:latin typeface="Helvetica Neue" panose="02000503000000020004" pitchFamily="2" charset="0"/>
+              </a:rPr>
+              <a:t>Your local Git history and that on the GitHub remote are not compatible, i.e. they have diverged.</a:t>
             </a:r>
             <a:endParaRPr lang="en-US" dirty="0"/>
           </a:p>
@@ -3546,7 +5625,7 @@
     </p:spTree>
     <p:extLst>
       <p:ext uri="{BB962C8B-B14F-4D97-AF65-F5344CB8AC3E}">
-        <p14:creationId xmlns:p14="http://schemas.microsoft.com/office/powerpoint/2010/main" val="3451242161"/>
+        <p14:creationId xmlns:p14="http://schemas.microsoft.com/office/powerpoint/2010/main" val="3760949272"/>
       </p:ext>
     </p:extLst>
   </p:cSld>
@@ -3578,7 +5657,7 @@
           <p:cNvPr id="2" name="Title 1">
             <a:extLst>
               <a:ext uri="{FF2B5EF4-FFF2-40B4-BE49-F238E27FC236}">
-                <a16:creationId xmlns:a16="http://schemas.microsoft.com/office/drawing/2014/main" id="{74B90E7A-1277-F542-A7AD-A26434D15F66}"/>
+                <a16:creationId xmlns:a16="http://schemas.microsoft.com/office/drawing/2014/main" id="{185730A4-839E-6746-A57D-368CAB81C89E}"/>
               </a:ext>
             </a:extLst>
           </p:cNvPr>
@@ -3590,239 +5669,129 @@
           </p:nvPr>
         </p:nvSpPr>
         <p:spPr/>
+        <p:txBody>
+          <a:bodyPr/>
+          <a:lstStyle/>
+          <a:p>
+            <a:r>
+              <a:rPr lang="en-US" dirty="0"/>
+              <a:t>What is going on?</a:t>
+            </a:r>
+          </a:p>
+        </p:txBody>
+      </p:sp>
+      <p:sp>
+        <p:nvSpPr>
+          <p:cNvPr id="3" name="Content Placeholder 2">
+            <a:extLst>
+              <a:ext uri="{FF2B5EF4-FFF2-40B4-BE49-F238E27FC236}">
+                <a16:creationId xmlns:a16="http://schemas.microsoft.com/office/drawing/2014/main" id="{D2D21256-E8D0-6046-95C1-5E3EA579D541}"/>
+              </a:ext>
+            </a:extLst>
+          </p:cNvPr>
+          <p:cNvSpPr>
+            <a:spLocks noGrp="1"/>
+          </p:cNvSpPr>
+          <p:nvPr>
+            <p:ph idx="1"/>
+          </p:nvPr>
+        </p:nvSpPr>
+        <p:spPr>
+          <a:xfrm>
+            <a:off x="628650" y="1211436"/>
+            <a:ext cx="4815021" cy="3263504"/>
+          </a:xfrm>
+        </p:spPr>
         <p:txBody>
           <a:bodyPr>
             <a:normAutofit/>
           </a:bodyPr>
           <a:lstStyle/>
           <a:p>
-            <a:r>
-              <a:rPr lang="en-US" sz="2600" dirty="0"/>
-              <a:t>Breakout 5: Explore the NYC flights data collaboratively</a:t>
-            </a:r>
-          </a:p>
-        </p:txBody>
-      </p:sp>
-      <p:sp>
-        <p:nvSpPr>
-          <p:cNvPr id="3" name="Content Placeholder 2">
-            <a:extLst>
-              <a:ext uri="{FF2B5EF4-FFF2-40B4-BE49-F238E27FC236}">
-                <a16:creationId xmlns:a16="http://schemas.microsoft.com/office/drawing/2014/main" id="{923E8B10-4205-0848-BAAD-2634D700CB30}"/>
-              </a:ext>
-            </a:extLst>
-          </p:cNvPr>
-          <p:cNvSpPr>
-            <a:spLocks noGrp="1"/>
-          </p:cNvSpPr>
-          <p:nvPr>
-            <p:ph idx="1"/>
-          </p:nvPr>
-        </p:nvSpPr>
-        <p:spPr>
-          <a:xfrm>
-            <a:off x="628650" y="1369218"/>
-            <a:ext cx="7886700" cy="3452761"/>
-          </a:xfrm>
-        </p:spPr>
-        <p:txBody>
-          <a:bodyPr>
-            <a:normAutofit fontScale="77500" lnSpcReduction="20000"/>
-          </a:bodyPr>
-          <a:lstStyle/>
-          <a:p>
-            <a:pPr>
-              <a:spcAft>
-                <a:spcPts val="1000"/>
-              </a:spcAft>
+            <a:endParaRPr lang="en-US" dirty="0"/>
+          </a:p>
+          <a:p>
+            <a:pPr marL="0" indent="0">
+              <a:buNone/>
             </a:pPr>
             <a:r>
               <a:rPr lang="en-US" dirty="0"/>
-              <a:t>Partner 2 add an image to your </a:t>
-            </a:r>
-            <a:r>
-              <a:rPr lang="en-US" dirty="0" err="1"/>
-              <a:t>index.Rmd</a:t>
-            </a:r>
+              <a:t>State of the repo on GitHub:</a:t>
+            </a:r>
+          </a:p>
+          <a:p>
+            <a:pPr marL="0" indent="0">
+              <a:buNone/>
+            </a:pPr>
             <a:r>
               <a:rPr lang="en-US" dirty="0"/>
-              <a:t> (talk Partner 1 through what you’re doing or share your screen):</a:t>
-            </a:r>
-          </a:p>
-          <a:p>
-            <a:pPr lvl="1">
-              <a:spcAft>
-                <a:spcPts val="1000"/>
-              </a:spcAft>
+              <a:t>A – B – C</a:t>
+            </a:r>
+          </a:p>
+          <a:p>
+            <a:pPr marL="0" indent="0">
+              <a:buNone/>
             </a:pPr>
             <a:r>
+              <a:rPr lang="en-US" sz="1400" dirty="0">
+                <a:solidFill>
+                  <a:schemeClr val="accent5">
+                    <a:lumMod val="75000"/>
+                  </a:schemeClr>
+                </a:solidFill>
+              </a:rPr>
+              <a:t>C represents changes your collaborator had made to B and then pushed while you were also still working on B</a:t>
+            </a:r>
+          </a:p>
+          <a:p>
+            <a:pPr marL="0" indent="0">
+              <a:buNone/>
+            </a:pPr>
+            <a:endParaRPr lang="en-US" dirty="0"/>
+          </a:p>
+          <a:p>
+            <a:pPr marL="0" indent="0">
+              <a:buNone/>
+            </a:pPr>
+            <a:r>
               <a:rPr lang="en-US" dirty="0"/>
-              <a:t>Search on google to find an image you like</a:t>
-            </a:r>
-          </a:p>
-          <a:p>
-            <a:pPr lvl="1">
-              <a:spcAft>
-                <a:spcPts val="1000"/>
-              </a:spcAft>
+              <a:t>State of your local repo:</a:t>
+            </a:r>
+          </a:p>
+          <a:p>
+            <a:pPr marL="0" indent="0">
+              <a:buNone/>
             </a:pPr>
             <a:r>
               <a:rPr lang="en-US" dirty="0"/>
-              <a:t>On the image, right click and choose “Copy image address”</a:t>
-            </a:r>
-          </a:p>
-          <a:p>
-            <a:pPr lvl="1">
-              <a:spcAft>
-                <a:spcPts val="1000"/>
-              </a:spcAft>
+              <a:t>A – B – D </a:t>
+            </a:r>
+          </a:p>
+          <a:p>
+            <a:pPr marL="0" indent="0">
+              <a:buNone/>
             </a:pPr>
             <a:r>
-              <a:rPr lang="en-US" dirty="0"/>
-              <a:t>Add it to the .</a:t>
-            </a:r>
-            <a:r>
-              <a:rPr lang="en-US" dirty="0" err="1"/>
-              <a:t>Rmd</a:t>
-            </a:r>
-            <a:r>
-              <a:rPr lang="en-US" dirty="0"/>
-              <a:t> file with</a:t>
-            </a:r>
-            <a:br>
-              <a:rPr lang="en-US" dirty="0"/>
-            </a:br>
-            <a:r>
-              <a:rPr lang="en-US" dirty="0"/>
-              <a:t>![](</a:t>
-            </a:r>
-            <a:r>
-              <a:rPr lang="en-US" dirty="0" err="1"/>
-              <a:t>paste_image_location_you_just_copied_here</a:t>
-            </a:r>
-            <a:r>
-              <a:rPr lang="en-US" dirty="0"/>
-              <a:t>)</a:t>
-            </a:r>
-          </a:p>
-          <a:p>
-            <a:pPr lvl="1">
-              <a:spcAft>
-                <a:spcPts val="1000"/>
-              </a:spcAft>
-            </a:pPr>
-            <a:r>
-              <a:rPr lang="en-US" dirty="0"/>
-              <a:t>Pull – stage – commit – push</a:t>
-            </a:r>
-          </a:p>
-          <a:p>
-            <a:pPr lvl="1">
-              <a:spcAft>
-                <a:spcPts val="1000"/>
-              </a:spcAft>
-            </a:pPr>
-            <a:r>
-              <a:rPr lang="en-US" dirty="0"/>
-              <a:t>Check that the image shows up on your website</a:t>
-            </a:r>
-            <a:br>
-              <a:rPr lang="en-US" dirty="0"/>
-            </a:br>
-            <a:r>
-              <a:rPr lang="en-US" dirty="0"/>
-              <a:t>Remember address format for website:</a:t>
-            </a:r>
-          </a:p>
-          <a:p>
-            <a:pPr lvl="2">
-              <a:spcAft>
-                <a:spcPts val="1000"/>
-              </a:spcAft>
-            </a:pPr>
-            <a:r>
-              <a:rPr lang="en-US" dirty="0"/>
-              <a:t>my </a:t>
-            </a:r>
-            <a:r>
-              <a:rPr lang="en-US" dirty="0" err="1"/>
-              <a:t>github</a:t>
-            </a:r>
-            <a:r>
-              <a:rPr lang="en-US" dirty="0"/>
-              <a:t> repo: </a:t>
-            </a:r>
-            <a:r>
-              <a:rPr lang="en-US" dirty="0">
-                <a:hlinkClick r:id="rId2"/>
+              <a:rPr lang="en-US" sz="1400" dirty="0">
+                <a:solidFill>
+                  <a:schemeClr val="accent5">
+                    <a:lumMod val="75000"/>
+                  </a:schemeClr>
+                </a:solidFill>
               </a:rPr>
-              <a:t>https://github.com/jules32/collab-research</a:t>
-            </a:r>
-            <a:endParaRPr lang="en-US" dirty="0"/>
-          </a:p>
-          <a:p>
-            <a:pPr lvl="2">
-              <a:spcAft>
-                <a:spcPts val="1000"/>
-              </a:spcAft>
-            </a:pPr>
-            <a:r>
-              <a:rPr lang="en-US" dirty="0"/>
-              <a:t>my website </a:t>
-            </a:r>
-            <a:r>
-              <a:rPr lang="en-US" dirty="0" err="1"/>
-              <a:t>url</a:t>
-            </a:r>
-            <a:r>
-              <a:rPr lang="en-US" dirty="0"/>
-              <a:t>: </a:t>
-            </a:r>
-            <a:r>
-              <a:rPr lang="en-US" dirty="0">
-                <a:hlinkClick r:id="rId3"/>
-              </a:rPr>
-              <a:t>https://jules32.github.io/collab-research/</a:t>
-            </a:r>
-            <a:endParaRPr lang="en-US" dirty="0"/>
-          </a:p>
-          <a:p>
-            <a:pPr lvl="2">
-              <a:spcAft>
-                <a:spcPts val="1000"/>
-              </a:spcAft>
-            </a:pPr>
-            <a:r>
-              <a:rPr lang="en-US" dirty="0"/>
-              <a:t>note that the </a:t>
-            </a:r>
-            <a:r>
-              <a:rPr lang="en-US" dirty="0" err="1"/>
-              <a:t>url</a:t>
-            </a:r>
-            <a:r>
-              <a:rPr lang="en-US" dirty="0"/>
-              <a:t> starts with my </a:t>
-            </a:r>
-            <a:r>
-              <a:rPr lang="en-US" b="1" dirty="0" err="1"/>
-              <a:t>username.github.io</a:t>
-            </a:r>
-            <a:endParaRPr lang="en-US" dirty="0"/>
-          </a:p>
-          <a:p>
-            <a:pPr lvl="1">
-              <a:spcAft>
-                <a:spcPts val="1000"/>
-              </a:spcAft>
-            </a:pPr>
-            <a:endParaRPr lang="en-US" b="1" dirty="0"/>
-          </a:p>
-          <a:p>
-            <a:pPr>
-              <a:spcAft>
-                <a:spcPts val="1000"/>
-              </a:spcAft>
+              <a:t>D represents changes you have made since you pulled B</a:t>
+            </a:r>
+            <a:endParaRPr lang="en-US" sz="2400" dirty="0">
+              <a:solidFill>
+                <a:schemeClr val="accent5">
+                  <a:lumMod val="75000"/>
+                </a:schemeClr>
+              </a:solidFill>
+            </a:endParaRPr>
+          </a:p>
+          <a:p>
+            <a:pPr marL="0" indent="0">
+              <a:buNone/>
             </a:pPr>
             <a:endParaRPr lang="en-US" dirty="0"/>
           </a:p>
@@ -3831,7 +5800,7 @@
     </p:spTree>
     <p:extLst>
       <p:ext uri="{BB962C8B-B14F-4D97-AF65-F5344CB8AC3E}">
-        <p14:creationId xmlns:p14="http://schemas.microsoft.com/office/powerpoint/2010/main" val="363649579"/>
+        <p14:creationId xmlns:p14="http://schemas.microsoft.com/office/powerpoint/2010/main" val="1912305777"/>
       </p:ext>
     </p:extLst>
   </p:cSld>
@@ -3863,7 +5832,7 @@
           <p:cNvPr id="2" name="Title 1">
             <a:extLst>
               <a:ext uri="{FF2B5EF4-FFF2-40B4-BE49-F238E27FC236}">
-                <a16:creationId xmlns:a16="http://schemas.microsoft.com/office/drawing/2014/main" id="{74B90E7A-1277-F542-A7AD-A26434D15F66}"/>
+                <a16:creationId xmlns:a16="http://schemas.microsoft.com/office/drawing/2014/main" id="{185730A4-839E-6746-A57D-368CAB81C89E}"/>
               </a:ext>
             </a:extLst>
           </p:cNvPr>
@@ -3875,92 +5844,241 @@
           </p:nvPr>
         </p:nvSpPr>
         <p:spPr/>
+        <p:txBody>
+          <a:bodyPr/>
+          <a:lstStyle/>
+          <a:p>
+            <a:r>
+              <a:rPr lang="en-US" dirty="0"/>
+              <a:t>What is going on?</a:t>
+            </a:r>
+          </a:p>
+        </p:txBody>
+      </p:sp>
+      <p:sp>
+        <p:nvSpPr>
+          <p:cNvPr id="3" name="Content Placeholder 2">
+            <a:extLst>
+              <a:ext uri="{FF2B5EF4-FFF2-40B4-BE49-F238E27FC236}">
+                <a16:creationId xmlns:a16="http://schemas.microsoft.com/office/drawing/2014/main" id="{D2D21256-E8D0-6046-95C1-5E3EA579D541}"/>
+              </a:ext>
+            </a:extLst>
+          </p:cNvPr>
+          <p:cNvSpPr>
+            <a:spLocks noGrp="1"/>
+          </p:cNvSpPr>
+          <p:nvPr>
+            <p:ph idx="1"/>
+          </p:nvPr>
+        </p:nvSpPr>
+        <p:spPr>
+          <a:xfrm>
+            <a:off x="628650" y="1211436"/>
+            <a:ext cx="4815021" cy="3263504"/>
+          </a:xfrm>
+        </p:spPr>
         <p:txBody>
           <a:bodyPr>
             <a:normAutofit/>
           </a:bodyPr>
           <a:lstStyle/>
           <a:p>
-            <a:r>
-              <a:rPr lang="en-US" sz="2600" dirty="0"/>
-              <a:t>Breakout 5: Explore the NYC flights data collaboratively</a:t>
-            </a:r>
-          </a:p>
-        </p:txBody>
-      </p:sp>
-      <p:sp>
-        <p:nvSpPr>
-          <p:cNvPr id="3" name="Content Placeholder 2">
+            <a:endParaRPr lang="en-US" dirty="0"/>
+          </a:p>
+          <a:p>
+            <a:pPr marL="0" indent="0">
+              <a:buNone/>
+            </a:pPr>
+            <a:r>
+              <a:rPr lang="en-US" dirty="0"/>
+              <a:t>State of the repo on GitHub:</a:t>
+            </a:r>
+          </a:p>
+          <a:p>
+            <a:pPr marL="0" indent="0">
+              <a:buNone/>
+            </a:pPr>
+            <a:r>
+              <a:rPr lang="en-US" dirty="0"/>
+              <a:t>A – B – C</a:t>
+            </a:r>
+          </a:p>
+          <a:p>
+            <a:pPr marL="0" indent="0">
+              <a:buNone/>
+            </a:pPr>
+            <a:r>
+              <a:rPr lang="en-US" sz="1400" dirty="0">
+                <a:solidFill>
+                  <a:schemeClr val="accent5">
+                    <a:lumMod val="75000"/>
+                  </a:schemeClr>
+                </a:solidFill>
+              </a:rPr>
+              <a:t>C represents changes your collaborator had made to B and then pushed while you were also still working on B</a:t>
+            </a:r>
+          </a:p>
+          <a:p>
+            <a:pPr marL="0" indent="0">
+              <a:buNone/>
+            </a:pPr>
+            <a:endParaRPr lang="en-US" dirty="0"/>
+          </a:p>
+          <a:p>
+            <a:pPr marL="0" indent="0">
+              <a:buNone/>
+            </a:pPr>
+            <a:r>
+              <a:rPr lang="en-US" dirty="0"/>
+              <a:t>State of your local repo:</a:t>
+            </a:r>
+          </a:p>
+          <a:p>
+            <a:pPr marL="0" indent="0">
+              <a:buNone/>
+            </a:pPr>
+            <a:r>
+              <a:rPr lang="en-US" dirty="0"/>
+              <a:t>A – B – D </a:t>
+            </a:r>
+          </a:p>
+          <a:p>
+            <a:pPr marL="0" indent="0">
+              <a:buNone/>
+            </a:pPr>
+            <a:r>
+              <a:rPr lang="en-US" sz="1400" dirty="0">
+                <a:solidFill>
+                  <a:schemeClr val="accent5">
+                    <a:lumMod val="75000"/>
+                  </a:schemeClr>
+                </a:solidFill>
+              </a:rPr>
+              <a:t>D represents changes you have made since you pulled B</a:t>
+            </a:r>
+            <a:endParaRPr lang="en-US" sz="2400" dirty="0">
+              <a:solidFill>
+                <a:schemeClr val="accent5">
+                  <a:lumMod val="75000"/>
+                </a:schemeClr>
+              </a:solidFill>
+            </a:endParaRPr>
+          </a:p>
+          <a:p>
+            <a:pPr marL="0" indent="0">
+              <a:buNone/>
+            </a:pPr>
+            <a:endParaRPr lang="en-US" dirty="0"/>
+          </a:p>
+        </p:txBody>
+      </p:sp>
+      <p:sp>
+        <p:nvSpPr>
+          <p:cNvPr id="4" name="TextBox 3">
             <a:extLst>
               <a:ext uri="{FF2B5EF4-FFF2-40B4-BE49-F238E27FC236}">
-                <a16:creationId xmlns:a16="http://schemas.microsoft.com/office/drawing/2014/main" id="{923E8B10-4205-0848-BAAD-2634D700CB30}"/>
+                <a16:creationId xmlns:a16="http://schemas.microsoft.com/office/drawing/2014/main" id="{E49E49A1-D13B-2E42-B11A-038A340FA1CD}"/>
               </a:ext>
             </a:extLst>
           </p:cNvPr>
-          <p:cNvSpPr>
-            <a:spLocks noGrp="1"/>
-          </p:cNvSpPr>
-          <p:nvPr>
-            <p:ph idx="1"/>
-          </p:nvPr>
+          <p:cNvSpPr txBox="1"/>
+          <p:nvPr/>
         </p:nvSpPr>
         <p:spPr>
           <a:xfrm>
-            <a:off x="628650" y="1369218"/>
-            <a:ext cx="7886700" cy="3452761"/>
+            <a:off x="5968705" y="640936"/>
+            <a:ext cx="2546645" cy="3693319"/>
           </a:xfrm>
+          <a:prstGeom prst="rect">
+            <a:avLst/>
+          </a:prstGeom>
+          <a:noFill/>
         </p:spPr>
         <p:txBody>
-          <a:bodyPr>
-            <a:normAutofit/>
+          <a:bodyPr wrap="square" rtlCol="0">
+            <a:spAutoFit/>
           </a:bodyPr>
           <a:lstStyle/>
           <a:p>
             <a:r>
-              <a:rPr lang="en-US" dirty="0"/>
-              <a:t>With your partner, do the following tasks. Each of you should work on one task at a time. Since we’re working closely on the same document, talk to each other and have one person create a heading and a R chunk, and then sync; the other person can then create a heading and R chunk and sync, and then you can both work safely.</a:t>
-            </a:r>
-          </a:p>
-          <a:p>
-            <a:endParaRPr lang="en-US" dirty="0"/>
-          </a:p>
-          <a:p>
-            <a:r>
-              <a:rPr lang="en-US" dirty="0"/>
-              <a:t>Remember to make your commit messages useful!</a:t>
-            </a:r>
-          </a:p>
-          <a:p>
-            <a:endParaRPr lang="en-US" dirty="0"/>
-          </a:p>
-          <a:p>
-            <a:r>
-              <a:rPr lang="en-US" dirty="0"/>
-              <a:t>As you work, you may get merge conflicts. Resolve them</a:t>
-            </a:r>
-          </a:p>
-          <a:p>
-            <a:pPr lvl="1">
-              <a:spcAft>
-                <a:spcPts val="1000"/>
-              </a:spcAft>
-            </a:pPr>
-            <a:endParaRPr lang="en-US" b="1" dirty="0"/>
-          </a:p>
-          <a:p>
-            <a:pPr>
-              <a:spcAft>
-                <a:spcPts val="1000"/>
-              </a:spcAft>
-            </a:pPr>
-            <a:endParaRPr lang="en-US" dirty="0"/>
-          </a:p>
-        </p:txBody>
-      </p:sp>
+              <a:rPr lang="en-US" dirty="0">
+                <a:latin typeface="Avenir Roman" panose="02000503020000020003" pitchFamily="2" charset="0"/>
+              </a:rPr>
+              <a:t>You can’t merge C and D by pushing to GitHub</a:t>
+            </a:r>
+          </a:p>
+          <a:p>
+            <a:endParaRPr lang="en-US" dirty="0">
+              <a:latin typeface="Avenir Roman" panose="02000503020000020003" pitchFamily="2" charset="0"/>
+            </a:endParaRPr>
+          </a:p>
+          <a:p>
+            <a:endParaRPr lang="en-US" dirty="0">
+              <a:latin typeface="Avenir Roman" panose="02000503020000020003" pitchFamily="2" charset="0"/>
+            </a:endParaRPr>
+          </a:p>
+          <a:p>
+            <a:endParaRPr lang="en-US" dirty="0">
+              <a:latin typeface="Avenir Roman" panose="02000503020000020003" pitchFamily="2" charset="0"/>
+            </a:endParaRPr>
+          </a:p>
+          <a:p>
+            <a:endParaRPr lang="en-US" dirty="0">
+              <a:latin typeface="Avenir Roman" panose="02000503020000020003" pitchFamily="2" charset="0"/>
+            </a:endParaRPr>
+          </a:p>
+          <a:p>
+            <a:r>
+              <a:rPr lang="en-US" dirty="0">
+                <a:latin typeface="Avenir Roman" panose="02000503020000020003" pitchFamily="2" charset="0"/>
+              </a:rPr>
+              <a:t>You have to pull the commit C and somehow integrate it into your D-containing history. Then you will be able to push again</a:t>
+            </a:r>
+          </a:p>
+        </p:txBody>
+      </p:sp>
+      <p:cxnSp>
+        <p:nvCxnSpPr>
+          <p:cNvPr id="6" name="Straight Connector 5">
+            <a:extLst>
+              <a:ext uri="{FF2B5EF4-FFF2-40B4-BE49-F238E27FC236}">
+                <a16:creationId xmlns:a16="http://schemas.microsoft.com/office/drawing/2014/main" id="{29D19841-5BF1-6D43-894D-24A40440525F}"/>
+              </a:ext>
+            </a:extLst>
+          </p:cNvPr>
+          <p:cNvCxnSpPr>
+            <a:cxnSpLocks/>
+          </p:cNvCxnSpPr>
+          <p:nvPr/>
+        </p:nvCxnSpPr>
+        <p:spPr>
+          <a:xfrm>
+            <a:off x="5597496" y="521294"/>
+            <a:ext cx="0" cy="4144710"/>
+          </a:xfrm>
+          <a:prstGeom prst="line">
+            <a:avLst/>
+          </a:prstGeom>
+        </p:spPr>
+        <p:style>
+          <a:lnRef idx="1">
+            <a:schemeClr val="accent1"/>
+          </a:lnRef>
+          <a:fillRef idx="0">
+            <a:schemeClr val="accent1"/>
+          </a:fillRef>
+          <a:effectRef idx="0">
+            <a:schemeClr val="accent1"/>
+          </a:effectRef>
+          <a:fontRef idx="minor">
+            <a:schemeClr val="tx1"/>
+          </a:fontRef>
+        </p:style>
+      </p:cxnSp>
     </p:spTree>
     <p:extLst>
       <p:ext uri="{BB962C8B-B14F-4D97-AF65-F5344CB8AC3E}">
-        <p14:creationId xmlns:p14="http://schemas.microsoft.com/office/powerpoint/2010/main" val="2203831485"/>
+        <p14:creationId xmlns:p14="http://schemas.microsoft.com/office/powerpoint/2010/main" val="3037909087"/>
       </p:ext>
     </p:extLst>
   </p:cSld>
@@ -3992,7 +6110,7 @@
           <p:cNvPr id="2" name="Title 1">
             <a:extLst>
               <a:ext uri="{FF2B5EF4-FFF2-40B4-BE49-F238E27FC236}">
-                <a16:creationId xmlns:a16="http://schemas.microsoft.com/office/drawing/2014/main" id="{74B90E7A-1277-F542-A7AD-A26434D15F66}"/>
+                <a16:creationId xmlns:a16="http://schemas.microsoft.com/office/drawing/2014/main" id="{7C08DA42-1F53-6A4C-9476-5537E09F44DC}"/>
               </a:ext>
             </a:extLst>
           </p:cNvPr>
@@ -4005,14 +6123,12 @@
         </p:nvSpPr>
         <p:spPr/>
         <p:txBody>
-          <a:bodyPr>
-            <a:normAutofit/>
-          </a:bodyPr>
+          <a:bodyPr/>
           <a:lstStyle/>
           <a:p>
             <a:r>
-              <a:rPr lang="en-US" sz="2600" dirty="0"/>
-              <a:t>Breakout 5: Explore the NYC flights data collaboratively</a:t>
+              <a:rPr lang="en-US" dirty="0"/>
+              <a:t>She who pushes first wins</a:t>
             </a:r>
           </a:p>
         </p:txBody>
@@ -4022,7 +6138,7 @@
           <p:cNvPr id="3" name="Content Placeholder 2">
             <a:extLst>
               <a:ext uri="{FF2B5EF4-FFF2-40B4-BE49-F238E27FC236}">
-                <a16:creationId xmlns:a16="http://schemas.microsoft.com/office/drawing/2014/main" id="{923E8B10-4205-0848-BAAD-2634D700CB30}"/>
+                <a16:creationId xmlns:a16="http://schemas.microsoft.com/office/drawing/2014/main" id="{B7C46EE7-8738-B440-814A-F0BBA1446CB0}"/>
               </a:ext>
             </a:extLst>
           </p:cNvPr>
@@ -4033,104 +6149,40 @@
             <p:ph idx="1"/>
           </p:nvPr>
         </p:nvSpPr>
-        <p:spPr>
-          <a:xfrm>
-            <a:off x="628650" y="1517997"/>
-            <a:ext cx="7886700" cy="3452761"/>
-          </a:xfrm>
-        </p:spPr>
-        <p:txBody>
-          <a:bodyPr>
-            <a:normAutofit fontScale="92500" lnSpcReduction="10000"/>
-          </a:bodyPr>
+        <p:spPr/>
+        <p:txBody>
+          <a:bodyPr/>
           <a:lstStyle/>
           <a:p>
             <a:r>
               <a:rPr lang="en-US" dirty="0"/>
-              <a:t>Find all flights that:</a:t>
-            </a:r>
-          </a:p>
-          <a:p>
-            <a:pPr lvl="1"/>
+              <a:t>Push your work to master work (when it’s “ready” to share (or at least “ready enough”)</a:t>
+            </a:r>
+          </a:p>
+          <a:p>
+            <a:endParaRPr lang="en-US" dirty="0"/>
+          </a:p>
+          <a:p>
             <a:r>
               <a:rPr lang="en-US" dirty="0"/>
-              <a:t>Had an arrival delay of two or more hours</a:t>
-            </a:r>
-          </a:p>
-          <a:p>
-            <a:pPr lvl="1"/>
+              <a:t>Committing, pushing, and integrating more often, not less. This does not eliminate the need to integrate different lines of work, but it makes each integration smaller, less burdensome, and less prone to error</a:t>
+            </a:r>
+          </a:p>
+          <a:p>
+            <a:endParaRPr lang="en-US" dirty="0"/>
+          </a:p>
+          <a:p>
             <a:r>
               <a:rPr lang="en-US" dirty="0"/>
-              <a:t>Flew to Houston (IAH or HOU)</a:t>
-            </a:r>
-          </a:p>
-          <a:p>
-            <a:pPr lvl="1"/>
-            <a:r>
-              <a:rPr lang="en-US" dirty="0"/>
-              <a:t>Were operated by United, American, or Delta</a:t>
-            </a:r>
-          </a:p>
-          <a:p>
-            <a:pPr lvl="1"/>
-            <a:r>
-              <a:rPr lang="en-US" dirty="0"/>
-              <a:t>Departed in summer (July, August, and September)</a:t>
-            </a:r>
-          </a:p>
-          <a:p>
-            <a:pPr lvl="1"/>
-            <a:r>
-              <a:rPr lang="en-US" dirty="0"/>
-              <a:t>Arrived more than two hours late, but didn’t leave late</a:t>
-            </a:r>
-          </a:p>
-          <a:p>
-            <a:pPr lvl="1"/>
-            <a:r>
-              <a:rPr lang="en-US" dirty="0"/>
-              <a:t>Were delayed by at least an hour, but made up over 30 minutes in flight</a:t>
-            </a:r>
-          </a:p>
-          <a:p>
-            <a:pPr lvl="1"/>
-            <a:r>
-              <a:rPr lang="en-US" dirty="0"/>
-              <a:t>Departed between midnight and 6am (inclusive)</a:t>
-            </a:r>
-          </a:p>
-          <a:p>
-            <a:pPr lvl="1"/>
-            <a:endParaRPr lang="en-US" dirty="0"/>
-          </a:p>
-          <a:p>
-            <a:r>
-              <a:rPr lang="en-US" dirty="0"/>
-              <a:t>Another useful </a:t>
-            </a:r>
-            <a:r>
-              <a:rPr lang="en-US" dirty="0" err="1"/>
-              <a:t>dplyr</a:t>
-            </a:r>
-            <a:r>
-              <a:rPr lang="en-US" dirty="0"/>
-              <a:t> filtering helper is between(). What does it do? Can you use it to simplify the code needed to answer the previous challenges?</a:t>
-            </a:r>
-          </a:p>
-          <a:p>
-            <a:pPr>
-              <a:spcAft>
-                <a:spcPts val="1000"/>
-              </a:spcAft>
-            </a:pPr>
-            <a:endParaRPr lang="en-US" dirty="0"/>
+              <a:t>Stay in touch with your collaborators</a:t>
+            </a:r>
           </a:p>
         </p:txBody>
       </p:sp>
     </p:spTree>
     <p:extLst>
       <p:ext uri="{BB962C8B-B14F-4D97-AF65-F5344CB8AC3E}">
-        <p14:creationId xmlns:p14="http://schemas.microsoft.com/office/powerpoint/2010/main" val="1277068017"/>
+        <p14:creationId xmlns:p14="http://schemas.microsoft.com/office/powerpoint/2010/main" val="852441556"/>
       </p:ext>
     </p:extLst>
   </p:cSld>
@@ -4162,7 +6214,7 @@
           <p:cNvPr id="2" name="Title 1">
             <a:extLst>
               <a:ext uri="{FF2B5EF4-FFF2-40B4-BE49-F238E27FC236}">
-                <a16:creationId xmlns:a16="http://schemas.microsoft.com/office/drawing/2014/main" id="{74B90E7A-1277-F542-A7AD-A26434D15F66}"/>
+                <a16:creationId xmlns:a16="http://schemas.microsoft.com/office/drawing/2014/main" id="{2199D4CF-3E5E-274D-BB33-E7C7FA863162}"/>
               </a:ext>
             </a:extLst>
           </p:cNvPr>
@@ -4175,95 +6227,486 @@
         </p:nvSpPr>
         <p:spPr/>
         <p:txBody>
-          <a:bodyPr>
-            <a:normAutofit/>
-          </a:bodyPr>
+          <a:bodyPr/>
           <a:lstStyle/>
           <a:p>
             <a:r>
-              <a:rPr lang="en-US" sz="2600" dirty="0"/>
-              <a:t>Breakout 5: Explore the NYC flights data collaboratively</a:t>
-            </a:r>
-          </a:p>
-        </p:txBody>
-      </p:sp>
-      <p:sp>
-        <p:nvSpPr>
-          <p:cNvPr id="3" name="Content Placeholder 2">
+              <a:rPr lang="en-US" dirty="0"/>
+              <a:t>Pulling when you have local work</a:t>
+            </a:r>
+          </a:p>
+        </p:txBody>
+      </p:sp>
+      <p:sp>
+        <p:nvSpPr>
+          <p:cNvPr id="4" name="Content Placeholder 2">
             <a:extLst>
               <a:ext uri="{FF2B5EF4-FFF2-40B4-BE49-F238E27FC236}">
-                <a16:creationId xmlns:a16="http://schemas.microsoft.com/office/drawing/2014/main" id="{923E8B10-4205-0848-BAAD-2634D700CB30}"/>
+                <a16:creationId xmlns:a16="http://schemas.microsoft.com/office/drawing/2014/main" id="{4C996871-6798-2843-987B-E30FF3D2E905}"/>
               </a:ext>
             </a:extLst>
           </p:cNvPr>
-          <p:cNvSpPr>
-            <a:spLocks noGrp="1"/>
-          </p:cNvSpPr>
-          <p:nvPr>
-            <p:ph idx="1"/>
-          </p:nvPr>
+          <p:cNvSpPr txBox="1">
+            <a:spLocks/>
+          </p:cNvSpPr>
+          <p:nvPr/>
         </p:nvSpPr>
         <p:spPr>
           <a:xfrm>
-            <a:off x="628650" y="1570624"/>
-            <a:ext cx="7886700" cy="3452761"/>
+            <a:off x="628650" y="1014883"/>
+            <a:ext cx="4370640" cy="1181387"/>
           </a:xfrm>
+          <a:prstGeom prst="rect">
+            <a:avLst/>
+          </a:prstGeom>
         </p:spPr>
         <p:txBody>
-          <a:bodyPr>
+          <a:bodyPr vert="horz" lIns="91440" tIns="45720" rIns="91440" bIns="45720" rtlCol="0">
             <a:normAutofit/>
           </a:bodyPr>
-          <a:lstStyle/>
-          <a:p>
-            <a:r>
-              <a:rPr lang="en-US" dirty="0"/>
-              <a:t>If you have more time:</a:t>
-            </a:r>
-            <a:br>
-              <a:rPr lang="en-US" dirty="0"/>
-            </a:br>
-            <a:endParaRPr lang="en-US" dirty="0"/>
-          </a:p>
-          <a:p>
-            <a:pPr lvl="1"/>
-            <a:r>
-              <a:rPr lang="en-US" dirty="0"/>
-              <a:t>Add some plots: What interesting patterns can we explore in this dataset? Examples:</a:t>
-            </a:r>
-            <a:br>
-              <a:rPr lang="en-US" dirty="0"/>
-            </a:br>
-            <a:endParaRPr lang="en-US" dirty="0"/>
-          </a:p>
-          <a:p>
-            <a:pPr lvl="2"/>
-            <a:r>
-              <a:rPr lang="en-US" dirty="0"/>
-              <a:t>What is the relationship between the departure delays and arrival delays (do planes tend to catch up while underway)?</a:t>
-            </a:r>
-          </a:p>
-          <a:p>
-            <a:pPr lvl="2"/>
-            <a:r>
-              <a:rPr lang="en-US" dirty="0"/>
-              <a:t>How to arrival delays compare between different airlines? Or destinations? Or days (or any combination of those)</a:t>
-            </a:r>
+          <a:lstStyle>
+            <a:lvl1pPr marL="171450" indent="-171450" algn="l" defTabSz="685800" rtl="0" eaLnBrk="1" latinLnBrk="0" hangingPunct="1">
+              <a:lnSpc>
+                <a:spcPct val="90000"/>
+              </a:lnSpc>
+              <a:spcBef>
+                <a:spcPts val="750"/>
+              </a:spcBef>
+              <a:buFont typeface="Arial" panose="020B0604020202020204" pitchFamily="34" charset="0"/>
+              <a:buChar char="•"/>
+              <a:defRPr sz="2100" kern="1200">
+                <a:solidFill>
+                  <a:schemeClr val="tx1"/>
+                </a:solidFill>
+                <a:latin typeface="Avenir Roman" panose="02000503020000020003" pitchFamily="2" charset="0"/>
+                <a:ea typeface="+mn-ea"/>
+                <a:cs typeface="+mn-cs"/>
+              </a:defRPr>
+            </a:lvl1pPr>
+            <a:lvl2pPr marL="514350" indent="-171450" algn="l" defTabSz="685800" rtl="0" eaLnBrk="1" latinLnBrk="0" hangingPunct="1">
+              <a:lnSpc>
+                <a:spcPct val="90000"/>
+              </a:lnSpc>
+              <a:spcBef>
+                <a:spcPts val="375"/>
+              </a:spcBef>
+              <a:buFont typeface="Arial" panose="020B0604020202020204" pitchFamily="34" charset="0"/>
+              <a:buChar char="•"/>
+              <a:defRPr sz="1800" kern="1200">
+                <a:solidFill>
+                  <a:schemeClr val="tx1"/>
+                </a:solidFill>
+                <a:latin typeface="Avenir Roman" panose="02000503020000020003" pitchFamily="2" charset="0"/>
+                <a:ea typeface="+mn-ea"/>
+                <a:cs typeface="+mn-cs"/>
+              </a:defRPr>
+            </a:lvl2pPr>
+            <a:lvl3pPr marL="857250" indent="-171450" algn="l" defTabSz="685800" rtl="0" eaLnBrk="1" latinLnBrk="0" hangingPunct="1">
+              <a:lnSpc>
+                <a:spcPct val="90000"/>
+              </a:lnSpc>
+              <a:spcBef>
+                <a:spcPts val="375"/>
+              </a:spcBef>
+              <a:buFont typeface="Arial" panose="020B0604020202020204" pitchFamily="34" charset="0"/>
+              <a:buChar char="•"/>
+              <a:defRPr sz="1500" kern="1200">
+                <a:solidFill>
+                  <a:schemeClr val="tx1"/>
+                </a:solidFill>
+                <a:latin typeface="Avenir Roman" panose="02000503020000020003" pitchFamily="2" charset="0"/>
+                <a:ea typeface="+mn-ea"/>
+                <a:cs typeface="+mn-cs"/>
+              </a:defRPr>
+            </a:lvl3pPr>
+            <a:lvl4pPr marL="1200150" indent="-171450" algn="l" defTabSz="685800" rtl="0" eaLnBrk="1" latinLnBrk="0" hangingPunct="1">
+              <a:lnSpc>
+                <a:spcPct val="90000"/>
+              </a:lnSpc>
+              <a:spcBef>
+                <a:spcPts val="375"/>
+              </a:spcBef>
+              <a:buFont typeface="Arial" panose="020B0604020202020204" pitchFamily="34" charset="0"/>
+              <a:buChar char="•"/>
+              <a:defRPr sz="1350" kern="1200">
+                <a:solidFill>
+                  <a:schemeClr val="tx1"/>
+                </a:solidFill>
+                <a:latin typeface="Avenir Roman" panose="02000503020000020003" pitchFamily="2" charset="0"/>
+                <a:ea typeface="+mn-ea"/>
+                <a:cs typeface="+mn-cs"/>
+              </a:defRPr>
+            </a:lvl4pPr>
+            <a:lvl5pPr marL="1543050" indent="-171450" algn="l" defTabSz="685800" rtl="0" eaLnBrk="1" latinLnBrk="0" hangingPunct="1">
+              <a:lnSpc>
+                <a:spcPct val="90000"/>
+              </a:lnSpc>
+              <a:spcBef>
+                <a:spcPts val="375"/>
+              </a:spcBef>
+              <a:buFont typeface="Arial" panose="020B0604020202020204" pitchFamily="34" charset="0"/>
+              <a:buChar char="•"/>
+              <a:defRPr sz="1350" kern="1200">
+                <a:solidFill>
+                  <a:schemeClr val="tx1"/>
+                </a:solidFill>
+                <a:latin typeface="Avenir Roman" panose="02000503020000020003" pitchFamily="2" charset="0"/>
+                <a:ea typeface="+mn-ea"/>
+                <a:cs typeface="+mn-cs"/>
+              </a:defRPr>
+            </a:lvl5pPr>
+            <a:lvl6pPr marL="1885950" indent="-171450" algn="l" defTabSz="685800" rtl="0" eaLnBrk="1" latinLnBrk="0" hangingPunct="1">
+              <a:lnSpc>
+                <a:spcPct val="90000"/>
+              </a:lnSpc>
+              <a:spcBef>
+                <a:spcPts val="375"/>
+              </a:spcBef>
+              <a:buFont typeface="Arial" panose="020B0604020202020204" pitchFamily="34" charset="0"/>
+              <a:buChar char="•"/>
+              <a:defRPr sz="1350" kern="1200">
+                <a:solidFill>
+                  <a:schemeClr val="tx1"/>
+                </a:solidFill>
+                <a:latin typeface="+mn-lt"/>
+                <a:ea typeface="+mn-ea"/>
+                <a:cs typeface="+mn-cs"/>
+              </a:defRPr>
+            </a:lvl6pPr>
+            <a:lvl7pPr marL="2228850" indent="-171450" algn="l" defTabSz="685800" rtl="0" eaLnBrk="1" latinLnBrk="0" hangingPunct="1">
+              <a:lnSpc>
+                <a:spcPct val="90000"/>
+              </a:lnSpc>
+              <a:spcBef>
+                <a:spcPts val="375"/>
+              </a:spcBef>
+              <a:buFont typeface="Arial" panose="020B0604020202020204" pitchFamily="34" charset="0"/>
+              <a:buChar char="•"/>
+              <a:defRPr sz="1350" kern="1200">
+                <a:solidFill>
+                  <a:schemeClr val="tx1"/>
+                </a:solidFill>
+                <a:latin typeface="+mn-lt"/>
+                <a:ea typeface="+mn-ea"/>
+                <a:cs typeface="+mn-cs"/>
+              </a:defRPr>
+            </a:lvl7pPr>
+            <a:lvl8pPr marL="2571750" indent="-171450" algn="l" defTabSz="685800" rtl="0" eaLnBrk="1" latinLnBrk="0" hangingPunct="1">
+              <a:lnSpc>
+                <a:spcPct val="90000"/>
+              </a:lnSpc>
+              <a:spcBef>
+                <a:spcPts val="375"/>
+              </a:spcBef>
+              <a:buFont typeface="Arial" panose="020B0604020202020204" pitchFamily="34" charset="0"/>
+              <a:buChar char="•"/>
+              <a:defRPr sz="1350" kern="1200">
+                <a:solidFill>
+                  <a:schemeClr val="tx1"/>
+                </a:solidFill>
+                <a:latin typeface="+mn-lt"/>
+                <a:ea typeface="+mn-ea"/>
+                <a:cs typeface="+mn-cs"/>
+              </a:defRPr>
+            </a:lvl8pPr>
+            <a:lvl9pPr marL="2914650" indent="-171450" algn="l" defTabSz="685800" rtl="0" eaLnBrk="1" latinLnBrk="0" hangingPunct="1">
+              <a:lnSpc>
+                <a:spcPct val="90000"/>
+              </a:lnSpc>
+              <a:spcBef>
+                <a:spcPts val="375"/>
+              </a:spcBef>
+              <a:buFont typeface="Arial" panose="020B0604020202020204" pitchFamily="34" charset="0"/>
+              <a:buChar char="•"/>
+              <a:defRPr sz="1350" kern="1200">
+                <a:solidFill>
+                  <a:schemeClr val="tx1"/>
+                </a:solidFill>
+                <a:latin typeface="+mn-lt"/>
+                <a:ea typeface="+mn-ea"/>
+                <a:cs typeface="+mn-cs"/>
+              </a:defRPr>
+            </a:lvl9pPr>
+          </a:lstStyle>
+          <a:p>
+            <a:endParaRPr lang="en-US" sz="1600" dirty="0"/>
           </a:p>
           <a:p>
             <a:pPr marL="0" indent="0">
-              <a:spcAft>
-                <a:spcPts val="1000"/>
-              </a:spcAft>
+              <a:buFont typeface="Arial" panose="020B0604020202020204" pitchFamily="34" charset="0"/>
               <a:buNone/>
             </a:pPr>
-            <a:endParaRPr lang="en-US" dirty="0"/>
+            <a:r>
+              <a:rPr lang="en-US" sz="1600" dirty="0"/>
+              <a:t>State of the repo on GitHub:</a:t>
+            </a:r>
+          </a:p>
+          <a:p>
+            <a:pPr marL="0" indent="0">
+              <a:buFont typeface="Arial" panose="020B0604020202020204" pitchFamily="34" charset="0"/>
+              <a:buNone/>
+            </a:pPr>
+            <a:r>
+              <a:rPr lang="en-US" sz="1600" dirty="0"/>
+              <a:t>A – B – C</a:t>
+            </a:r>
+          </a:p>
+          <a:p>
+            <a:pPr marL="0" indent="0">
+              <a:buFont typeface="Arial" panose="020B0604020202020204" pitchFamily="34" charset="0"/>
+              <a:buNone/>
+            </a:pPr>
+            <a:endParaRPr lang="en-US" sz="1600" dirty="0"/>
+          </a:p>
+          <a:p>
+            <a:pPr marL="0" indent="0">
+              <a:buFont typeface="Arial" panose="020B0604020202020204" pitchFamily="34" charset="0"/>
+              <a:buNone/>
+            </a:pPr>
+            <a:endParaRPr lang="en-US" sz="1600" dirty="0"/>
+          </a:p>
+        </p:txBody>
+      </p:sp>
+      <p:sp>
+        <p:nvSpPr>
+          <p:cNvPr id="7" name="Content Placeholder 2">
+            <a:extLst>
+              <a:ext uri="{FF2B5EF4-FFF2-40B4-BE49-F238E27FC236}">
+                <a16:creationId xmlns:a16="http://schemas.microsoft.com/office/drawing/2014/main" id="{D413CB60-3B6F-F442-93D1-A7808AFDD8E0}"/>
+              </a:ext>
+            </a:extLst>
+          </p:cNvPr>
+          <p:cNvSpPr txBox="1">
+            <a:spLocks/>
+          </p:cNvSpPr>
+          <p:nvPr/>
+        </p:nvSpPr>
+        <p:spPr>
+          <a:xfrm>
+            <a:off x="4289988" y="1010610"/>
+            <a:ext cx="4370640" cy="1181387"/>
+          </a:xfrm>
+          <a:prstGeom prst="rect">
+            <a:avLst/>
+          </a:prstGeom>
+        </p:spPr>
+        <p:txBody>
+          <a:bodyPr vert="horz" lIns="91440" tIns="45720" rIns="91440" bIns="45720" rtlCol="0">
+            <a:noAutofit/>
+          </a:bodyPr>
+          <a:lstStyle>
+            <a:lvl1pPr marL="171450" indent="-171450" algn="l" defTabSz="685800" rtl="0" eaLnBrk="1" latinLnBrk="0" hangingPunct="1">
+              <a:lnSpc>
+                <a:spcPct val="90000"/>
+              </a:lnSpc>
+              <a:spcBef>
+                <a:spcPts val="750"/>
+              </a:spcBef>
+              <a:buFont typeface="Arial" panose="020B0604020202020204" pitchFamily="34" charset="0"/>
+              <a:buChar char="•"/>
+              <a:defRPr sz="2100" kern="1200">
+                <a:solidFill>
+                  <a:schemeClr val="tx1"/>
+                </a:solidFill>
+                <a:latin typeface="Avenir Roman" panose="02000503020000020003" pitchFamily="2" charset="0"/>
+                <a:ea typeface="+mn-ea"/>
+                <a:cs typeface="+mn-cs"/>
+              </a:defRPr>
+            </a:lvl1pPr>
+            <a:lvl2pPr marL="514350" indent="-171450" algn="l" defTabSz="685800" rtl="0" eaLnBrk="1" latinLnBrk="0" hangingPunct="1">
+              <a:lnSpc>
+                <a:spcPct val="90000"/>
+              </a:lnSpc>
+              <a:spcBef>
+                <a:spcPts val="375"/>
+              </a:spcBef>
+              <a:buFont typeface="Arial" panose="020B0604020202020204" pitchFamily="34" charset="0"/>
+              <a:buChar char="•"/>
+              <a:defRPr sz="1800" kern="1200">
+                <a:solidFill>
+                  <a:schemeClr val="tx1"/>
+                </a:solidFill>
+                <a:latin typeface="Avenir Roman" panose="02000503020000020003" pitchFamily="2" charset="0"/>
+                <a:ea typeface="+mn-ea"/>
+                <a:cs typeface="+mn-cs"/>
+              </a:defRPr>
+            </a:lvl2pPr>
+            <a:lvl3pPr marL="857250" indent="-171450" algn="l" defTabSz="685800" rtl="0" eaLnBrk="1" latinLnBrk="0" hangingPunct="1">
+              <a:lnSpc>
+                <a:spcPct val="90000"/>
+              </a:lnSpc>
+              <a:spcBef>
+                <a:spcPts val="375"/>
+              </a:spcBef>
+              <a:buFont typeface="Arial" panose="020B0604020202020204" pitchFamily="34" charset="0"/>
+              <a:buChar char="•"/>
+              <a:defRPr sz="1500" kern="1200">
+                <a:solidFill>
+                  <a:schemeClr val="tx1"/>
+                </a:solidFill>
+                <a:latin typeface="Avenir Roman" panose="02000503020000020003" pitchFamily="2" charset="0"/>
+                <a:ea typeface="+mn-ea"/>
+                <a:cs typeface="+mn-cs"/>
+              </a:defRPr>
+            </a:lvl3pPr>
+            <a:lvl4pPr marL="1200150" indent="-171450" algn="l" defTabSz="685800" rtl="0" eaLnBrk="1" latinLnBrk="0" hangingPunct="1">
+              <a:lnSpc>
+                <a:spcPct val="90000"/>
+              </a:lnSpc>
+              <a:spcBef>
+                <a:spcPts val="375"/>
+              </a:spcBef>
+              <a:buFont typeface="Arial" panose="020B0604020202020204" pitchFamily="34" charset="0"/>
+              <a:buChar char="•"/>
+              <a:defRPr sz="1350" kern="1200">
+                <a:solidFill>
+                  <a:schemeClr val="tx1"/>
+                </a:solidFill>
+                <a:latin typeface="Avenir Roman" panose="02000503020000020003" pitchFamily="2" charset="0"/>
+                <a:ea typeface="+mn-ea"/>
+                <a:cs typeface="+mn-cs"/>
+              </a:defRPr>
+            </a:lvl4pPr>
+            <a:lvl5pPr marL="1543050" indent="-171450" algn="l" defTabSz="685800" rtl="0" eaLnBrk="1" latinLnBrk="0" hangingPunct="1">
+              <a:lnSpc>
+                <a:spcPct val="90000"/>
+              </a:lnSpc>
+              <a:spcBef>
+                <a:spcPts val="375"/>
+              </a:spcBef>
+              <a:buFont typeface="Arial" panose="020B0604020202020204" pitchFamily="34" charset="0"/>
+              <a:buChar char="•"/>
+              <a:defRPr sz="1350" kern="1200">
+                <a:solidFill>
+                  <a:schemeClr val="tx1"/>
+                </a:solidFill>
+                <a:latin typeface="Avenir Roman" panose="02000503020000020003" pitchFamily="2" charset="0"/>
+                <a:ea typeface="+mn-ea"/>
+                <a:cs typeface="+mn-cs"/>
+              </a:defRPr>
+            </a:lvl5pPr>
+            <a:lvl6pPr marL="1885950" indent="-171450" algn="l" defTabSz="685800" rtl="0" eaLnBrk="1" latinLnBrk="0" hangingPunct="1">
+              <a:lnSpc>
+                <a:spcPct val="90000"/>
+              </a:lnSpc>
+              <a:spcBef>
+                <a:spcPts val="375"/>
+              </a:spcBef>
+              <a:buFont typeface="Arial" panose="020B0604020202020204" pitchFamily="34" charset="0"/>
+              <a:buChar char="•"/>
+              <a:defRPr sz="1350" kern="1200">
+                <a:solidFill>
+                  <a:schemeClr val="tx1"/>
+                </a:solidFill>
+                <a:latin typeface="+mn-lt"/>
+                <a:ea typeface="+mn-ea"/>
+                <a:cs typeface="+mn-cs"/>
+              </a:defRPr>
+            </a:lvl6pPr>
+            <a:lvl7pPr marL="2228850" indent="-171450" algn="l" defTabSz="685800" rtl="0" eaLnBrk="1" latinLnBrk="0" hangingPunct="1">
+              <a:lnSpc>
+                <a:spcPct val="90000"/>
+              </a:lnSpc>
+              <a:spcBef>
+                <a:spcPts val="375"/>
+              </a:spcBef>
+              <a:buFont typeface="Arial" panose="020B0604020202020204" pitchFamily="34" charset="0"/>
+              <a:buChar char="•"/>
+              <a:defRPr sz="1350" kern="1200">
+                <a:solidFill>
+                  <a:schemeClr val="tx1"/>
+                </a:solidFill>
+                <a:latin typeface="+mn-lt"/>
+                <a:ea typeface="+mn-ea"/>
+                <a:cs typeface="+mn-cs"/>
+              </a:defRPr>
+            </a:lvl7pPr>
+            <a:lvl8pPr marL="2571750" indent="-171450" algn="l" defTabSz="685800" rtl="0" eaLnBrk="1" latinLnBrk="0" hangingPunct="1">
+              <a:lnSpc>
+                <a:spcPct val="90000"/>
+              </a:lnSpc>
+              <a:spcBef>
+                <a:spcPts val="375"/>
+              </a:spcBef>
+              <a:buFont typeface="Arial" panose="020B0604020202020204" pitchFamily="34" charset="0"/>
+              <a:buChar char="•"/>
+              <a:defRPr sz="1350" kern="1200">
+                <a:solidFill>
+                  <a:schemeClr val="tx1"/>
+                </a:solidFill>
+                <a:latin typeface="+mn-lt"/>
+                <a:ea typeface="+mn-ea"/>
+                <a:cs typeface="+mn-cs"/>
+              </a:defRPr>
+            </a:lvl8pPr>
+            <a:lvl9pPr marL="2914650" indent="-171450" algn="l" defTabSz="685800" rtl="0" eaLnBrk="1" latinLnBrk="0" hangingPunct="1">
+              <a:lnSpc>
+                <a:spcPct val="90000"/>
+              </a:lnSpc>
+              <a:spcBef>
+                <a:spcPts val="375"/>
+              </a:spcBef>
+              <a:buFont typeface="Arial" panose="020B0604020202020204" pitchFamily="34" charset="0"/>
+              <a:buChar char="•"/>
+              <a:defRPr sz="1350" kern="1200">
+                <a:solidFill>
+                  <a:schemeClr val="tx1"/>
+                </a:solidFill>
+                <a:latin typeface="+mn-lt"/>
+                <a:ea typeface="+mn-ea"/>
+                <a:cs typeface="+mn-cs"/>
+              </a:defRPr>
+            </a:lvl9pPr>
+          </a:lstStyle>
+          <a:p>
+            <a:endParaRPr lang="en-US" sz="1600" dirty="0"/>
+          </a:p>
+          <a:p>
+            <a:pPr marL="0" indent="0">
+              <a:buNone/>
+            </a:pPr>
+            <a:r>
+              <a:rPr lang="en-US" sz="1600" dirty="0"/>
+              <a:t>State of your local repo:</a:t>
+            </a:r>
+          </a:p>
+          <a:p>
+            <a:pPr marL="0" indent="0">
+              <a:buNone/>
+            </a:pPr>
+            <a:r>
+              <a:rPr lang="en-US" sz="1600" dirty="0"/>
+              <a:t>A – B – D        OR</a:t>
+            </a:r>
+          </a:p>
+          <a:p>
+            <a:pPr marL="0" indent="0">
+              <a:buNone/>
+            </a:pPr>
+            <a:r>
+              <a:rPr lang="en-US" sz="1600" dirty="0"/>
+              <a:t>A – B – (uncommitted changes)</a:t>
+            </a:r>
+          </a:p>
+          <a:p>
+            <a:pPr marL="0" indent="0">
+              <a:buNone/>
+            </a:pPr>
+            <a:endParaRPr lang="en-US" sz="1600" dirty="0"/>
+          </a:p>
+          <a:p>
+            <a:pPr marL="0" indent="0">
+              <a:buFont typeface="Arial" panose="020B0604020202020204" pitchFamily="34" charset="0"/>
+              <a:buNone/>
+            </a:pPr>
+            <a:endParaRPr lang="en-US" sz="1600" dirty="0"/>
           </a:p>
         </p:txBody>
       </p:sp>
     </p:spTree>
     <p:extLst>
       <p:ext uri="{BB962C8B-B14F-4D97-AF65-F5344CB8AC3E}">
-        <p14:creationId xmlns:p14="http://schemas.microsoft.com/office/powerpoint/2010/main" val="1916369078"/>
+        <p14:creationId xmlns:p14="http://schemas.microsoft.com/office/powerpoint/2010/main" val="3272885826"/>
       </p:ext>
     </p:extLst>
   </p:cSld>
